--- a/Pitch presentation.pptx
+++ b/Pitch presentation.pptx
@@ -134,6 +134,9 @@
           </p14:sldIdLst>
         </p14:section>
       </p14:sectionLst>
+    </p:ext>
+    <p:ext uri="{EFAFB233-063F-42B5-8137-9DF3F51BA10A}">
+      <p15:sldGuideLst xmlns:p15="http://schemas.microsoft.com/office/powerpoint/2012/main"/>
     </p:ext>
   </p:extLst>
 </p:presentation>
@@ -914,10 +917,26 @@
             <a:defRPr b="1"/>
           </a:pPr>
           <a:r>
-            <a:rPr lang="en-US" b="0" i="0"/>
-            <a:t>Pametno rješenje za parkiranje</a:t>
+            <a:rPr lang="en-US" b="0" i="0" dirty="0" err="1"/>
+            <a:t>Pametno</a:t>
           </a:r>
-          <a:endParaRPr lang="en-US"/>
+          <a:r>
+            <a:rPr lang="en-US" b="0" i="0" dirty="0"/>
+            <a:t> </a:t>
+          </a:r>
+          <a:r>
+            <a:rPr lang="en-US" b="0" i="0" dirty="0" err="1"/>
+            <a:t>rješenje</a:t>
+          </a:r>
+          <a:r>
+            <a:rPr lang="en-US" b="0" i="0" dirty="0"/>
+            <a:t> za </a:t>
+          </a:r>
+          <a:r>
+            <a:rPr lang="en-US" b="0" i="0" dirty="0" err="1"/>
+            <a:t>parkiranje</a:t>
+          </a:r>
+          <a:endParaRPr lang="en-US" dirty="0"/>
         </a:p>
       </dgm:t>
     </dgm:pt>
@@ -962,10 +981,86 @@
             </a:lnSpc>
           </a:pPr>
           <a:r>
-            <a:rPr lang="en-US" b="0" i="0"/>
-            <a:t>ParkSmart koristi inovativne tehnologije kako bi olakšao pronalaženje parkirnog mjesta u gradu.</a:t>
+            <a:rPr lang="en-US" b="0" i="0" dirty="0" err="1"/>
+            <a:t>ParkSmart</a:t>
           </a:r>
-          <a:endParaRPr lang="en-US"/>
+          <a:r>
+            <a:rPr lang="en-US" b="0" i="0" dirty="0"/>
+            <a:t> </a:t>
+          </a:r>
+          <a:r>
+            <a:rPr lang="en-US" b="0" i="0" dirty="0" err="1"/>
+            <a:t>koristi</a:t>
+          </a:r>
+          <a:r>
+            <a:rPr lang="en-US" b="0" i="0" dirty="0"/>
+            <a:t> </a:t>
+          </a:r>
+          <a:r>
+            <a:rPr lang="en-US" b="0" i="0" dirty="0" err="1"/>
+            <a:t>inovativne</a:t>
+          </a:r>
+          <a:r>
+            <a:rPr lang="en-US" b="0" i="0" dirty="0"/>
+            <a:t> </a:t>
+          </a:r>
+          <a:r>
+            <a:rPr lang="en-US" b="0" i="0" dirty="0" err="1"/>
+            <a:t>tehnologije</a:t>
+          </a:r>
+          <a:r>
+            <a:rPr lang="en-US" b="0" i="0" dirty="0"/>
+            <a:t> </a:t>
+          </a:r>
+          <a:r>
+            <a:rPr lang="en-US" b="0" i="0" dirty="0" err="1"/>
+            <a:t>kako</a:t>
+          </a:r>
+          <a:r>
+            <a:rPr lang="en-US" b="0" i="0" dirty="0"/>
+            <a:t> bi </a:t>
+          </a:r>
+          <a:r>
+            <a:rPr lang="en-US" b="0" i="0" dirty="0" err="1"/>
+            <a:t>olakšao</a:t>
+          </a:r>
+          <a:r>
+            <a:rPr lang="en-US" b="0" i="0" dirty="0"/>
+            <a:t> </a:t>
+          </a:r>
+          <a:r>
+            <a:rPr lang="en-US" b="0" i="0" dirty="0" err="1"/>
+            <a:t>pronalaženje</a:t>
+          </a:r>
+          <a:r>
+            <a:rPr lang="en-US" b="0" i="0" dirty="0"/>
+            <a:t> </a:t>
+          </a:r>
+          <a:r>
+            <a:rPr lang="en-US" b="0" i="0" dirty="0" err="1"/>
+            <a:t>parkirnog</a:t>
+          </a:r>
+          <a:r>
+            <a:rPr lang="en-US" b="0" i="0" dirty="0"/>
+            <a:t> </a:t>
+          </a:r>
+          <a:r>
+            <a:rPr lang="en-US" b="0" i="0" dirty="0" err="1"/>
+            <a:t>mjesta</a:t>
+          </a:r>
+          <a:r>
+            <a:rPr lang="en-US" b="0" i="0" dirty="0"/>
+            <a:t> u </a:t>
+          </a:r>
+          <a:r>
+            <a:rPr lang="en-US" b="0" i="0" dirty="0" err="1"/>
+            <a:t>gradu</a:t>
+          </a:r>
+          <a:r>
+            <a:rPr lang="en-US" b="0" i="0" dirty="0"/>
+            <a:t>.</a:t>
+          </a:r>
+          <a:endParaRPr lang="en-US" dirty="0"/>
         </a:p>
       </dgm:t>
     </dgm:pt>
@@ -1005,10 +1100,18 @@
             <a:defRPr b="1"/>
           </a:pPr>
           <a:r>
-            <a:rPr lang="en-US" b="0" i="0"/>
-            <a:t>Održivi pristup</a:t>
+            <a:rPr lang="en-US" b="0" i="0" dirty="0" err="1"/>
+            <a:t>Održivi</a:t>
           </a:r>
-          <a:endParaRPr lang="en-US"/>
+          <a:r>
+            <a:rPr lang="en-US" b="0" i="0" dirty="0"/>
+            <a:t> </a:t>
+          </a:r>
+          <a:r>
+            <a:rPr lang="en-US" b="0" i="0" dirty="0" err="1"/>
+            <a:t>pristup</a:t>
+          </a:r>
+          <a:endParaRPr lang="en-US" dirty="0"/>
         </a:p>
       </dgm:t>
     </dgm:pt>
@@ -1053,10 +1156,94 @@
             </a:lnSpc>
           </a:pPr>
           <a:r>
-            <a:rPr lang="en-US" b="0" i="0"/>
-            <a:t>Projekat doprinosi zdravijem gradskom okruženju smanjenjem vremena traženja parkinga i zagađenja.</a:t>
+            <a:rPr lang="en-US" b="0" i="0" dirty="0" err="1"/>
+            <a:t>Projekat</a:t>
           </a:r>
-          <a:endParaRPr lang="en-US"/>
+          <a:r>
+            <a:rPr lang="en-US" b="0" i="0" dirty="0"/>
+            <a:t> </a:t>
+          </a:r>
+          <a:r>
+            <a:rPr lang="en-US" b="0" i="0" dirty="0" err="1"/>
+            <a:t>doprinosi</a:t>
+          </a:r>
+          <a:r>
+            <a:rPr lang="en-US" b="0" i="0" dirty="0"/>
+            <a:t> </a:t>
+          </a:r>
+          <a:r>
+            <a:rPr lang="en-US" b="0" i="0" dirty="0" err="1"/>
+            <a:t>zdravijem</a:t>
+          </a:r>
+          <a:r>
+            <a:rPr lang="en-US" b="0" i="0" dirty="0"/>
+            <a:t> </a:t>
+          </a:r>
+          <a:r>
+            <a:rPr lang="en-US" b="0" i="0" dirty="0" err="1"/>
+            <a:t>gradskom</a:t>
+          </a:r>
+          <a:r>
+            <a:rPr lang="en-US" b="0" i="0" dirty="0"/>
+            <a:t> </a:t>
+          </a:r>
+          <a:r>
+            <a:rPr lang="en-US" b="0" i="0" dirty="0" err="1"/>
+            <a:t>okruženju</a:t>
+          </a:r>
+          <a:r>
+            <a:rPr lang="en-US" b="0" i="0" dirty="0"/>
+            <a:t> </a:t>
+          </a:r>
+          <a:r>
+            <a:rPr lang="en-US" b="0" i="0" dirty="0" err="1"/>
+            <a:t>smanjenjem</a:t>
+          </a:r>
+          <a:r>
+            <a:rPr lang="en-US" b="0" i="0" dirty="0"/>
+            <a:t> </a:t>
+          </a:r>
+          <a:r>
+            <a:rPr lang="en-US" b="0" i="0" dirty="0" err="1"/>
+            <a:t>vremena</a:t>
+          </a:r>
+          <a:r>
+            <a:rPr lang="en-US" b="0" i="0" dirty="0"/>
+            <a:t> </a:t>
+          </a:r>
+          <a:r>
+            <a:rPr lang="en-US" b="0" i="0" dirty="0" err="1"/>
+            <a:t>traženja</a:t>
+          </a:r>
+          <a:r>
+            <a:rPr lang="en-US" b="0" i="0" dirty="0"/>
+            <a:t> </a:t>
+          </a:r>
+          <a:r>
+            <a:rPr lang="en-US" b="0" i="0" dirty="0" err="1"/>
+            <a:t>parkinga</a:t>
+          </a:r>
+          <a:r>
+            <a:rPr lang="en-US" b="0" i="0" dirty="0"/>
+            <a:t> </a:t>
+          </a:r>
+          <a:r>
+            <a:rPr lang="en-US" b="0" i="0" dirty="0" err="1"/>
+            <a:t>i</a:t>
+          </a:r>
+          <a:r>
+            <a:rPr lang="en-US" b="0" i="0" dirty="0"/>
+            <a:t> </a:t>
+          </a:r>
+          <a:r>
+            <a:rPr lang="en-US" b="0" i="0" dirty="0" err="1"/>
+            <a:t>zagađenja</a:t>
+          </a:r>
+          <a:r>
+            <a:rPr lang="en-US" b="0" i="0" dirty="0"/>
+            <a:t>.</a:t>
+          </a:r>
+          <a:endParaRPr lang="en-US" dirty="0"/>
         </a:p>
       </dgm:t>
     </dgm:pt>
@@ -1096,10 +1283,18 @@
             <a:defRPr b="1"/>
           </a:pPr>
           <a:r>
-            <a:rPr lang="en-US" b="0" i="0"/>
-            <a:t>Svijetla budućnost</a:t>
+            <a:rPr lang="en-US" b="0" i="0" dirty="0" err="1"/>
+            <a:t>Svijetla</a:t>
           </a:r>
-          <a:endParaRPr lang="en-US"/>
+          <a:r>
+            <a:rPr lang="en-US" b="0" i="0" dirty="0"/>
+            <a:t> </a:t>
+          </a:r>
+          <a:r>
+            <a:rPr lang="en-US" b="0" i="0" dirty="0" err="1"/>
+            <a:t>budućnost</a:t>
+          </a:r>
+          <a:endParaRPr lang="en-US" dirty="0"/>
         </a:p>
       </dgm:t>
     </dgm:pt>
@@ -1138,10 +1333,94 @@
             </a:lnSpc>
           </a:pPr>
           <a:r>
-            <a:rPr lang="en-US" b="0" i="0"/>
-            <a:t>Predani tim i inovacije vode ka jednostavnijem i efikasnijem parkiranju za sve korisnike.</a:t>
+            <a:rPr lang="en-US" b="0" i="0" dirty="0" err="1"/>
+            <a:t>Predani</a:t>
           </a:r>
-          <a:endParaRPr lang="en-US"/>
+          <a:r>
+            <a:rPr lang="en-US" b="0" i="0" dirty="0"/>
+            <a:t> </a:t>
+          </a:r>
+          <a:r>
+            <a:rPr lang="en-US" b="0" i="0" dirty="0" err="1"/>
+            <a:t>tim</a:t>
+          </a:r>
+          <a:r>
+            <a:rPr lang="en-US" b="0" i="0" dirty="0"/>
+            <a:t> </a:t>
+          </a:r>
+          <a:r>
+            <a:rPr lang="en-US" b="0" i="0" dirty="0" err="1"/>
+            <a:t>i</a:t>
+          </a:r>
+          <a:r>
+            <a:rPr lang="en-US" b="0" i="0" dirty="0"/>
+            <a:t> </a:t>
+          </a:r>
+          <a:r>
+            <a:rPr lang="en-US" b="0" i="0" dirty="0" err="1"/>
+            <a:t>inovacije</a:t>
+          </a:r>
+          <a:r>
+            <a:rPr lang="en-US" b="0" i="0" dirty="0"/>
+            <a:t> </a:t>
+          </a:r>
+          <a:r>
+            <a:rPr lang="en-US" b="0" i="0" dirty="0" err="1"/>
+            <a:t>vode</a:t>
+          </a:r>
+          <a:r>
+            <a:rPr lang="en-US" b="0" i="0" dirty="0"/>
+            <a:t> ka </a:t>
+          </a:r>
+          <a:r>
+            <a:rPr lang="en-US" b="0" i="0" dirty="0" err="1"/>
+            <a:t>jednostavnijem</a:t>
+          </a:r>
+          <a:r>
+            <a:rPr lang="en-US" b="0" i="0" dirty="0"/>
+            <a:t> </a:t>
+          </a:r>
+          <a:r>
+            <a:rPr lang="en-US" b="0" i="0" dirty="0" err="1"/>
+            <a:t>i</a:t>
+          </a:r>
+          <a:r>
+            <a:rPr lang="en-US" b="0" i="0" dirty="0"/>
+            <a:t> </a:t>
+          </a:r>
+          <a:r>
+            <a:rPr lang="en-US" b="0" i="0" dirty="0" err="1"/>
+            <a:t>efikasnijem</a:t>
+          </a:r>
+          <a:r>
+            <a:rPr lang="en-US" b="0" i="0" dirty="0"/>
+            <a:t> </a:t>
+          </a:r>
+          <a:r>
+            <a:rPr lang="en-US" b="0" i="0" dirty="0" err="1"/>
+            <a:t>parkiranju</a:t>
+          </a:r>
+          <a:r>
+            <a:rPr lang="en-US" b="0" i="0" dirty="0"/>
+            <a:t> za </a:t>
+          </a:r>
+          <a:r>
+            <a:rPr lang="en-US" b="0" i="0" dirty="0" err="1"/>
+            <a:t>sve</a:t>
+          </a:r>
+          <a:r>
+            <a:rPr lang="en-US" b="0" i="0" dirty="0"/>
+            <a:t> </a:t>
+          </a:r>
+          <a:r>
+            <a:rPr lang="en-US" b="0" i="0" dirty="0" err="1"/>
+            <a:t>korisnike</a:t>
+          </a:r>
+          <a:r>
+            <a:rPr lang="en-US" b="0" i="0" dirty="0"/>
+            <a:t>.</a:t>
+          </a:r>
+          <a:endParaRPr lang="en-US" dirty="0"/>
         </a:p>
       </dgm:t>
     </dgm:pt>
@@ -1345,10 +1624,26 @@
             <a:defRPr b="1"/>
           </a:pPr>
           <a:r>
-            <a:rPr lang="en-US" sz="1800" b="0" i="0" kern="1200"/>
-            <a:t>Pametno rješenje za parkiranje</a:t>
+            <a:rPr lang="en-US" sz="1800" b="0" i="0" kern="1200" dirty="0" err="1"/>
+            <a:t>Pametno</a:t>
           </a:r>
-          <a:endParaRPr lang="en-US" sz="1800" kern="1200"/>
+          <a:r>
+            <a:rPr lang="en-US" sz="1800" b="0" i="0" kern="1200" dirty="0"/>
+            <a:t> </a:t>
+          </a:r>
+          <a:r>
+            <a:rPr lang="en-US" sz="1800" b="0" i="0" kern="1200" dirty="0" err="1"/>
+            <a:t>rješenje</a:t>
+          </a:r>
+          <a:r>
+            <a:rPr lang="en-US" sz="1800" b="0" i="0" kern="1200" dirty="0"/>
+            <a:t> za </a:t>
+          </a:r>
+          <a:r>
+            <a:rPr lang="en-US" sz="1800" b="0" i="0" kern="1200" dirty="0" err="1"/>
+            <a:t>parkiranje</a:t>
+          </a:r>
+          <a:endParaRPr lang="en-US" sz="1800" kern="1200" dirty="0"/>
         </a:p>
       </dsp:txBody>
       <dsp:txXfrm>
@@ -1406,10 +1701,86 @@
             <a:buNone/>
           </a:pPr>
           <a:r>
-            <a:rPr lang="en-US" sz="1400" b="0" i="0" kern="1200"/>
-            <a:t>ParkSmart koristi inovativne tehnologije kako bi olakšao pronalaženje parkirnog mjesta u gradu.</a:t>
+            <a:rPr lang="en-US" sz="1400" b="0" i="0" kern="1200" dirty="0" err="1"/>
+            <a:t>ParkSmart</a:t>
           </a:r>
-          <a:endParaRPr lang="en-US" sz="1400" kern="1200"/>
+          <a:r>
+            <a:rPr lang="en-US" sz="1400" b="0" i="0" kern="1200" dirty="0"/>
+            <a:t> </a:t>
+          </a:r>
+          <a:r>
+            <a:rPr lang="en-US" sz="1400" b="0" i="0" kern="1200" dirty="0" err="1"/>
+            <a:t>koristi</a:t>
+          </a:r>
+          <a:r>
+            <a:rPr lang="en-US" sz="1400" b="0" i="0" kern="1200" dirty="0"/>
+            <a:t> </a:t>
+          </a:r>
+          <a:r>
+            <a:rPr lang="en-US" sz="1400" b="0" i="0" kern="1200" dirty="0" err="1"/>
+            <a:t>inovativne</a:t>
+          </a:r>
+          <a:r>
+            <a:rPr lang="en-US" sz="1400" b="0" i="0" kern="1200" dirty="0"/>
+            <a:t> </a:t>
+          </a:r>
+          <a:r>
+            <a:rPr lang="en-US" sz="1400" b="0" i="0" kern="1200" dirty="0" err="1"/>
+            <a:t>tehnologije</a:t>
+          </a:r>
+          <a:r>
+            <a:rPr lang="en-US" sz="1400" b="0" i="0" kern="1200" dirty="0"/>
+            <a:t> </a:t>
+          </a:r>
+          <a:r>
+            <a:rPr lang="en-US" sz="1400" b="0" i="0" kern="1200" dirty="0" err="1"/>
+            <a:t>kako</a:t>
+          </a:r>
+          <a:r>
+            <a:rPr lang="en-US" sz="1400" b="0" i="0" kern="1200" dirty="0"/>
+            <a:t> bi </a:t>
+          </a:r>
+          <a:r>
+            <a:rPr lang="en-US" sz="1400" b="0" i="0" kern="1200" dirty="0" err="1"/>
+            <a:t>olakšao</a:t>
+          </a:r>
+          <a:r>
+            <a:rPr lang="en-US" sz="1400" b="0" i="0" kern="1200" dirty="0"/>
+            <a:t> </a:t>
+          </a:r>
+          <a:r>
+            <a:rPr lang="en-US" sz="1400" b="0" i="0" kern="1200" dirty="0" err="1"/>
+            <a:t>pronalaženje</a:t>
+          </a:r>
+          <a:r>
+            <a:rPr lang="en-US" sz="1400" b="0" i="0" kern="1200" dirty="0"/>
+            <a:t> </a:t>
+          </a:r>
+          <a:r>
+            <a:rPr lang="en-US" sz="1400" b="0" i="0" kern="1200" dirty="0" err="1"/>
+            <a:t>parkirnog</a:t>
+          </a:r>
+          <a:r>
+            <a:rPr lang="en-US" sz="1400" b="0" i="0" kern="1200" dirty="0"/>
+            <a:t> </a:t>
+          </a:r>
+          <a:r>
+            <a:rPr lang="en-US" sz="1400" b="0" i="0" kern="1200" dirty="0" err="1"/>
+            <a:t>mjesta</a:t>
+          </a:r>
+          <a:r>
+            <a:rPr lang="en-US" sz="1400" b="0" i="0" kern="1200" dirty="0"/>
+            <a:t> u </a:t>
+          </a:r>
+          <a:r>
+            <a:rPr lang="en-US" sz="1400" b="0" i="0" kern="1200" dirty="0" err="1"/>
+            <a:t>gradu</a:t>
+          </a:r>
+          <a:r>
+            <a:rPr lang="en-US" sz="1400" b="0" i="0" kern="1200" dirty="0"/>
+            <a:t>.</a:t>
+          </a:r>
+          <a:endParaRPr lang="en-US" sz="1400" kern="1200" dirty="0"/>
         </a:p>
       </dsp:txBody>
       <dsp:txXfrm>
@@ -1468,10 +1839,18 @@
             <a:defRPr b="1"/>
           </a:pPr>
           <a:r>
-            <a:rPr lang="en-US" sz="1800" b="0" i="0" kern="1200"/>
-            <a:t>Održivi pristup</a:t>
+            <a:rPr lang="en-US" sz="1800" b="0" i="0" kern="1200" dirty="0" err="1"/>
+            <a:t>Održivi</a:t>
           </a:r>
-          <a:endParaRPr lang="en-US" sz="1800" kern="1200"/>
+          <a:r>
+            <a:rPr lang="en-US" sz="1800" b="0" i="0" kern="1200" dirty="0"/>
+            <a:t> </a:t>
+          </a:r>
+          <a:r>
+            <a:rPr lang="en-US" sz="1800" b="0" i="0" kern="1200" dirty="0" err="1"/>
+            <a:t>pristup</a:t>
+          </a:r>
+          <a:endParaRPr lang="en-US" sz="1800" kern="1200" dirty="0"/>
         </a:p>
       </dsp:txBody>
       <dsp:txXfrm>
@@ -1529,10 +1908,94 @@
             <a:buNone/>
           </a:pPr>
           <a:r>
-            <a:rPr lang="en-US" sz="1400" b="0" i="0" kern="1200"/>
-            <a:t>Projekat doprinosi zdravijem gradskom okruženju smanjenjem vremena traženja parkinga i zagađenja.</a:t>
+            <a:rPr lang="en-US" sz="1400" b="0" i="0" kern="1200" dirty="0" err="1"/>
+            <a:t>Projekat</a:t>
           </a:r>
-          <a:endParaRPr lang="en-US" sz="1400" kern="1200"/>
+          <a:r>
+            <a:rPr lang="en-US" sz="1400" b="0" i="0" kern="1200" dirty="0"/>
+            <a:t> </a:t>
+          </a:r>
+          <a:r>
+            <a:rPr lang="en-US" sz="1400" b="0" i="0" kern="1200" dirty="0" err="1"/>
+            <a:t>doprinosi</a:t>
+          </a:r>
+          <a:r>
+            <a:rPr lang="en-US" sz="1400" b="0" i="0" kern="1200" dirty="0"/>
+            <a:t> </a:t>
+          </a:r>
+          <a:r>
+            <a:rPr lang="en-US" sz="1400" b="0" i="0" kern="1200" dirty="0" err="1"/>
+            <a:t>zdravijem</a:t>
+          </a:r>
+          <a:r>
+            <a:rPr lang="en-US" sz="1400" b="0" i="0" kern="1200" dirty="0"/>
+            <a:t> </a:t>
+          </a:r>
+          <a:r>
+            <a:rPr lang="en-US" sz="1400" b="0" i="0" kern="1200" dirty="0" err="1"/>
+            <a:t>gradskom</a:t>
+          </a:r>
+          <a:r>
+            <a:rPr lang="en-US" sz="1400" b="0" i="0" kern="1200" dirty="0"/>
+            <a:t> </a:t>
+          </a:r>
+          <a:r>
+            <a:rPr lang="en-US" sz="1400" b="0" i="0" kern="1200" dirty="0" err="1"/>
+            <a:t>okruženju</a:t>
+          </a:r>
+          <a:r>
+            <a:rPr lang="en-US" sz="1400" b="0" i="0" kern="1200" dirty="0"/>
+            <a:t> </a:t>
+          </a:r>
+          <a:r>
+            <a:rPr lang="en-US" sz="1400" b="0" i="0" kern="1200" dirty="0" err="1"/>
+            <a:t>smanjenjem</a:t>
+          </a:r>
+          <a:r>
+            <a:rPr lang="en-US" sz="1400" b="0" i="0" kern="1200" dirty="0"/>
+            <a:t> </a:t>
+          </a:r>
+          <a:r>
+            <a:rPr lang="en-US" sz="1400" b="0" i="0" kern="1200" dirty="0" err="1"/>
+            <a:t>vremena</a:t>
+          </a:r>
+          <a:r>
+            <a:rPr lang="en-US" sz="1400" b="0" i="0" kern="1200" dirty="0"/>
+            <a:t> </a:t>
+          </a:r>
+          <a:r>
+            <a:rPr lang="en-US" sz="1400" b="0" i="0" kern="1200" dirty="0" err="1"/>
+            <a:t>traženja</a:t>
+          </a:r>
+          <a:r>
+            <a:rPr lang="en-US" sz="1400" b="0" i="0" kern="1200" dirty="0"/>
+            <a:t> </a:t>
+          </a:r>
+          <a:r>
+            <a:rPr lang="en-US" sz="1400" b="0" i="0" kern="1200" dirty="0" err="1"/>
+            <a:t>parkinga</a:t>
+          </a:r>
+          <a:r>
+            <a:rPr lang="en-US" sz="1400" b="0" i="0" kern="1200" dirty="0"/>
+            <a:t> </a:t>
+          </a:r>
+          <a:r>
+            <a:rPr lang="en-US" sz="1400" b="0" i="0" kern="1200" dirty="0" err="1"/>
+            <a:t>i</a:t>
+          </a:r>
+          <a:r>
+            <a:rPr lang="en-US" sz="1400" b="0" i="0" kern="1200" dirty="0"/>
+            <a:t> </a:t>
+          </a:r>
+          <a:r>
+            <a:rPr lang="en-US" sz="1400" b="0" i="0" kern="1200" dirty="0" err="1"/>
+            <a:t>zagađenja</a:t>
+          </a:r>
+          <a:r>
+            <a:rPr lang="en-US" sz="1400" b="0" i="0" kern="1200" dirty="0"/>
+            <a:t>.</a:t>
+          </a:r>
+          <a:endParaRPr lang="en-US" sz="1400" kern="1200" dirty="0"/>
         </a:p>
       </dsp:txBody>
       <dsp:txXfrm>
@@ -1591,10 +2054,18 @@
             <a:defRPr b="1"/>
           </a:pPr>
           <a:r>
-            <a:rPr lang="en-US" sz="1800" b="0" i="0" kern="1200"/>
-            <a:t>Svijetla budućnost</a:t>
+            <a:rPr lang="en-US" sz="1800" b="0" i="0" kern="1200" dirty="0" err="1"/>
+            <a:t>Svijetla</a:t>
           </a:r>
-          <a:endParaRPr lang="en-US" sz="1800" kern="1200"/>
+          <a:r>
+            <a:rPr lang="en-US" sz="1800" b="0" i="0" kern="1200" dirty="0"/>
+            <a:t> </a:t>
+          </a:r>
+          <a:r>
+            <a:rPr lang="en-US" sz="1800" b="0" i="0" kern="1200" dirty="0" err="1"/>
+            <a:t>budućnost</a:t>
+          </a:r>
+          <a:endParaRPr lang="en-US" sz="1800" kern="1200" dirty="0"/>
         </a:p>
       </dsp:txBody>
       <dsp:txXfrm>
@@ -1652,10 +2123,94 @@
             <a:buNone/>
           </a:pPr>
           <a:r>
-            <a:rPr lang="en-US" sz="1400" b="0" i="0" kern="1200"/>
-            <a:t>Predani tim i inovacije vode ka jednostavnijem i efikasnijem parkiranju za sve korisnike.</a:t>
+            <a:rPr lang="en-US" sz="1400" b="0" i="0" kern="1200" dirty="0" err="1"/>
+            <a:t>Predani</a:t>
           </a:r>
-          <a:endParaRPr lang="en-US" sz="1400" kern="1200"/>
+          <a:r>
+            <a:rPr lang="en-US" sz="1400" b="0" i="0" kern="1200" dirty="0"/>
+            <a:t> </a:t>
+          </a:r>
+          <a:r>
+            <a:rPr lang="en-US" sz="1400" b="0" i="0" kern="1200" dirty="0" err="1"/>
+            <a:t>tim</a:t>
+          </a:r>
+          <a:r>
+            <a:rPr lang="en-US" sz="1400" b="0" i="0" kern="1200" dirty="0"/>
+            <a:t> </a:t>
+          </a:r>
+          <a:r>
+            <a:rPr lang="en-US" sz="1400" b="0" i="0" kern="1200" dirty="0" err="1"/>
+            <a:t>i</a:t>
+          </a:r>
+          <a:r>
+            <a:rPr lang="en-US" sz="1400" b="0" i="0" kern="1200" dirty="0"/>
+            <a:t> </a:t>
+          </a:r>
+          <a:r>
+            <a:rPr lang="en-US" sz="1400" b="0" i="0" kern="1200" dirty="0" err="1"/>
+            <a:t>inovacije</a:t>
+          </a:r>
+          <a:r>
+            <a:rPr lang="en-US" sz="1400" b="0" i="0" kern="1200" dirty="0"/>
+            <a:t> </a:t>
+          </a:r>
+          <a:r>
+            <a:rPr lang="en-US" sz="1400" b="0" i="0" kern="1200" dirty="0" err="1"/>
+            <a:t>vode</a:t>
+          </a:r>
+          <a:r>
+            <a:rPr lang="en-US" sz="1400" b="0" i="0" kern="1200" dirty="0"/>
+            <a:t> ka </a:t>
+          </a:r>
+          <a:r>
+            <a:rPr lang="en-US" sz="1400" b="0" i="0" kern="1200" dirty="0" err="1"/>
+            <a:t>jednostavnijem</a:t>
+          </a:r>
+          <a:r>
+            <a:rPr lang="en-US" sz="1400" b="0" i="0" kern="1200" dirty="0"/>
+            <a:t> </a:t>
+          </a:r>
+          <a:r>
+            <a:rPr lang="en-US" sz="1400" b="0" i="0" kern="1200" dirty="0" err="1"/>
+            <a:t>i</a:t>
+          </a:r>
+          <a:r>
+            <a:rPr lang="en-US" sz="1400" b="0" i="0" kern="1200" dirty="0"/>
+            <a:t> </a:t>
+          </a:r>
+          <a:r>
+            <a:rPr lang="en-US" sz="1400" b="0" i="0" kern="1200" dirty="0" err="1"/>
+            <a:t>efikasnijem</a:t>
+          </a:r>
+          <a:r>
+            <a:rPr lang="en-US" sz="1400" b="0" i="0" kern="1200" dirty="0"/>
+            <a:t> </a:t>
+          </a:r>
+          <a:r>
+            <a:rPr lang="en-US" sz="1400" b="0" i="0" kern="1200" dirty="0" err="1"/>
+            <a:t>parkiranju</a:t>
+          </a:r>
+          <a:r>
+            <a:rPr lang="en-US" sz="1400" b="0" i="0" kern="1200" dirty="0"/>
+            <a:t> za </a:t>
+          </a:r>
+          <a:r>
+            <a:rPr lang="en-US" sz="1400" b="0" i="0" kern="1200" dirty="0" err="1"/>
+            <a:t>sve</a:t>
+          </a:r>
+          <a:r>
+            <a:rPr lang="en-US" sz="1400" b="0" i="0" kern="1200" dirty="0"/>
+            <a:t> </a:t>
+          </a:r>
+          <a:r>
+            <a:rPr lang="en-US" sz="1400" b="0" i="0" kern="1200" dirty="0" err="1"/>
+            <a:t>korisnike</a:t>
+          </a:r>
+          <a:r>
+            <a:rPr lang="en-US" sz="1400" b="0" i="0" kern="1200" dirty="0"/>
+            <a:t>.</a:t>
+          </a:r>
+          <a:endParaRPr lang="en-US" sz="1400" kern="1200" dirty="0"/>
         </a:p>
       </dsp:txBody>
       <dsp:txXfrm>
@@ -3006,7 +3561,7 @@
           <a:p>
             <a:fld id="{D7BA4610-F80F-4F40-A07E-783D7321767C}" type="datetimeFigureOut">
               <a:rPr lang="en-US" smtClean="0"/>
-              <a:t>16-Sep-25</a:t>
+              <a:t>03-Oct-25</a:t>
             </a:fld>
             <a:endParaRPr lang="en-US"/>
           </a:p>
@@ -4342,7 +4897,7 @@
             <a:fld id="{77EA5D59-5512-467D-834D-D04827A6AF83}" type="datetime1">
               <a:rPr lang="en-US" smtClean="0"/>
               <a:pPr/>
-              <a:t>16-Sep-25</a:t>
+              <a:t>03-Oct-25</a:t>
             </a:fld>
             <a:endParaRPr lang="en-US"/>
           </a:p>
@@ -5064,7 +5619,7 @@
             <a:fld id="{76FC08D9-20DE-421C-BE4E-310427BB699B}" type="datetime1">
               <a:rPr lang="en-US" smtClean="0"/>
               <a:pPr/>
-              <a:t>16-Sep-25</a:t>
+              <a:t>03-Oct-25</a:t>
             </a:fld>
             <a:endParaRPr lang="en-US" dirty="0"/>
           </a:p>
@@ -5608,7 +6163,7 @@
           <a:p>
             <a:fld id="{4F1AC263-88EE-42CC-B640-B12BA856CF71}" type="datetime1">
               <a:rPr lang="en-US" smtClean="0"/>
-              <a:t>16-Sep-25</a:t>
+              <a:t>03-Oct-25</a:t>
             </a:fld>
             <a:endParaRPr lang="en-US"/>
           </a:p>
@@ -5966,7 +6521,7 @@
           <a:p>
             <a:fld id="{68A32F6A-E7E2-4607-B207-B787B539B854}" type="datetime1">
               <a:rPr lang="en-US" smtClean="0"/>
-              <a:t>16-Sep-25</a:t>
+              <a:t>03-Oct-25</a:t>
             </a:fld>
             <a:endParaRPr lang="en-US"/>
           </a:p>
@@ -6213,7 +6768,7 @@
           <a:p>
             <a:fld id="{9467FC12-63BB-4A63-9424-BFBF8E1D71D9}" type="datetime1">
               <a:rPr lang="en-US" smtClean="0"/>
-              <a:t>16-Sep-25</a:t>
+              <a:t>03-Oct-25</a:t>
             </a:fld>
             <a:endParaRPr lang="en-US"/>
           </a:p>
@@ -6698,7 +7253,7 @@
           <a:p>
             <a:fld id="{8BAA7FA5-AD20-4A92-9D35-3CC6CFA49E64}" type="datetime1">
               <a:rPr lang="en-US" smtClean="0"/>
-              <a:t>16-Sep-25</a:t>
+              <a:t>03-Oct-25</a:t>
             </a:fld>
             <a:endParaRPr lang="en-US"/>
           </a:p>
@@ -7429,7 +7984,7 @@
           <a:p>
             <a:fld id="{802AB700-8552-46A0-B700-5DA0068ADBFC}" type="datetime1">
               <a:rPr lang="en-US" smtClean="0"/>
-              <a:t>16-Sep-25</a:t>
+              <a:t>03-Oct-25</a:t>
             </a:fld>
             <a:endParaRPr lang="en-US"/>
           </a:p>
@@ -7916,7 +8471,7 @@
           <a:p>
             <a:fld id="{A892AD61-D199-4B74-B80B-2001400510FA}" type="datetime1">
               <a:rPr lang="en-US" smtClean="0"/>
-              <a:t>16-Sep-25</a:t>
+              <a:t>03-Oct-25</a:t>
             </a:fld>
             <a:endParaRPr lang="en-US"/>
           </a:p>
@@ -8405,7 +8960,7 @@
           <a:p>
             <a:fld id="{D00D9374-B0AF-43C5-90A8-C409C7D54B55}" type="datetime1">
               <a:rPr lang="en-US" smtClean="0"/>
-              <a:t>16-Sep-25</a:t>
+              <a:t>03-Oct-25</a:t>
             </a:fld>
             <a:endParaRPr lang="en-US"/>
           </a:p>
@@ -8841,7 +9396,7 @@
             <a:fld id="{9CBB6888-43ED-4D3A-B8DA-89EF29644561}" type="datetime1">
               <a:rPr lang="en-US" smtClean="0"/>
               <a:pPr/>
-              <a:t>16-Sep-25</a:t>
+              <a:t>03-Oct-25</a:t>
             </a:fld>
             <a:endParaRPr lang="en-US" dirty="0"/>
           </a:p>
@@ -9144,7 +9699,7 @@
           <a:p>
             <a:fld id="{27C7479B-2077-4468-85E0-F9294B46DEAE}" type="datetime1">
               <a:rPr lang="en-US" smtClean="0"/>
-              <a:t>16-Sep-25</a:t>
+              <a:t>03-Oct-25</a:t>
             </a:fld>
             <a:endParaRPr lang="en-US" dirty="0"/>
           </a:p>
@@ -9495,7 +10050,7 @@
           <a:p>
             <a:fld id="{B42362D5-E350-46C5-8BB1-F9E806A91933}" type="datetime1">
               <a:rPr lang="en-US" smtClean="0"/>
-              <a:t>16-Sep-25</a:t>
+              <a:t>03-Oct-25</a:t>
             </a:fld>
             <a:endParaRPr lang="en-US"/>
           </a:p>
@@ -9789,7 +10344,7 @@
           <a:p>
             <a:fld id="{28E9021D-675F-4984-8FE0-04DA4F4E22F1}" type="datetime1">
               <a:rPr lang="en-US" smtClean="0"/>
-              <a:t>16-Sep-25</a:t>
+              <a:t>03-Oct-25</a:t>
             </a:fld>
             <a:endParaRPr lang="en-US" dirty="0"/>
           </a:p>
@@ -10042,7 +10597,7 @@
           <a:p>
             <a:fld id="{A7F72289-EB8A-47CA-A283-A769C9E761BF}" type="datetime1">
               <a:rPr lang="en-US" smtClean="0"/>
-              <a:t>16-Sep-25</a:t>
+              <a:t>03-Oct-25</a:t>
             </a:fld>
             <a:endParaRPr lang="en-US" dirty="0"/>
           </a:p>
@@ -10391,7 +10946,7 @@
           <a:p>
             <a:fld id="{74049900-C118-46F7-B9EF-5F7C1F0005B2}" type="datetime1">
               <a:rPr lang="en-US" smtClean="0"/>
-              <a:t>16-Sep-25</a:t>
+              <a:t>03-Oct-25</a:t>
             </a:fld>
             <a:endParaRPr lang="en-US"/>
           </a:p>
@@ -10656,7 +11211,7 @@
           <a:p>
             <a:fld id="{74049900-C118-46F7-B9EF-5F7C1F0005B2}" type="datetime1">
               <a:rPr lang="en-US" smtClean="0"/>
-              <a:t>16-Sep-25</a:t>
+              <a:t>03-Oct-25</a:t>
             </a:fld>
             <a:endParaRPr lang="en-US"/>
           </a:p>
@@ -10997,7 +11552,7 @@
           <a:p>
             <a:fld id="{0B4A3A31-ACEE-4A00-9ED7-D579651BDB0B}" type="datetime1">
               <a:rPr lang="en-US" smtClean="0"/>
-              <a:t>16-Sep-25</a:t>
+              <a:t>03-Oct-25</a:t>
             </a:fld>
             <a:endParaRPr lang="en-US" dirty="0"/>
           </a:p>
@@ -11254,7 +11809,7 @@
           <a:p>
             <a:fld id="{0B4A3A31-ACEE-4A00-9ED7-D579651BDB0B}" type="datetime1">
               <a:rPr lang="en-US" smtClean="0"/>
-              <a:t>16-Sep-25</a:t>
+              <a:t>03-Oct-25</a:t>
             </a:fld>
             <a:endParaRPr lang="en-US" dirty="0"/>
           </a:p>
@@ -11609,7 +12164,7 @@
           <a:p>
             <a:fld id="{FAD7B7F7-7F90-4F0B-A996-5443656EFF4A}" type="datetime1">
               <a:rPr lang="en-US" smtClean="0"/>
-              <a:t>16-Sep-25</a:t>
+              <a:t>03-Oct-25</a:t>
             </a:fld>
             <a:endParaRPr lang="en-US" dirty="0"/>
           </a:p>
@@ -11877,7 +12432,7 @@
           <a:p>
             <a:fld id="{FAD7B7F7-7F90-4F0B-A996-5443656EFF4A}" type="datetime1">
               <a:rPr lang="en-US" smtClean="0"/>
-              <a:t>16-Sep-25</a:t>
+              <a:t>03-Oct-25</a:t>
             </a:fld>
             <a:endParaRPr lang="en-US" dirty="0"/>
           </a:p>
@@ -12204,7 +12759,7 @@
           <a:p>
             <a:fld id="{2086C921-50A5-4289-8B96-30101E64A548}" type="datetime1">
               <a:rPr lang="en-US" smtClean="0"/>
-              <a:t>16-Sep-25</a:t>
+              <a:t>03-Oct-25</a:t>
             </a:fld>
             <a:endParaRPr lang="en-US"/>
           </a:p>
@@ -12507,7 +13062,7 @@
           <a:p>
             <a:fld id="{1B948B66-4D7B-4FF2-9F42-B85226272225}" type="datetime1">
               <a:rPr lang="en-US" smtClean="0"/>
-              <a:t>16-Sep-25</a:t>
+              <a:t>03-Oct-25</a:t>
             </a:fld>
             <a:endParaRPr lang="en-US"/>
           </a:p>
@@ -12957,7 +13512,7 @@
           <a:p>
             <a:fld id="{6D1D18D0-7308-42C5-B784-8892F327ABD3}" type="datetime1">
               <a:rPr lang="en-US" smtClean="0"/>
-              <a:t>16-Sep-25</a:t>
+              <a:t>03-Oct-25</a:t>
             </a:fld>
             <a:endParaRPr lang="en-US"/>
           </a:p>
@@ -13344,7 +13899,7 @@
           <a:p>
             <a:fld id="{5888334B-5C34-4E7E-A4B0-3A19575F6DD8}" type="datetime1">
               <a:rPr lang="en-US" smtClean="0"/>
-              <a:t>16-Sep-25</a:t>
+              <a:t>03-Oct-25</a:t>
             </a:fld>
             <a:endParaRPr lang="en-US" dirty="0"/>
           </a:p>
@@ -13678,7 +14233,7 @@
           <a:p>
             <a:fld id="{6C46EC71-0129-40A3-85CE-244216EACC39}" type="datetime1">
               <a:rPr lang="en-US" smtClean="0"/>
-              <a:t>16-Sep-25</a:t>
+              <a:t>03-Oct-25</a:t>
             </a:fld>
             <a:endParaRPr lang="en-US" dirty="0"/>
           </a:p>
@@ -14011,7 +14566,7 @@
           <a:p>
             <a:fld id="{5888334B-5C34-4E7E-A4B0-3A19575F6DD8}" type="datetime1">
               <a:rPr lang="en-US" smtClean="0"/>
-              <a:t>16-Sep-25</a:t>
+              <a:t>03-Oct-25</a:t>
             </a:fld>
             <a:endParaRPr lang="en-US"/>
           </a:p>
@@ -14296,7 +14851,7 @@
           <a:p>
             <a:fld id="{3CC8FB4D-92F2-4C28-8BFC-2AE0229C3E9A}" type="datetime1">
               <a:rPr lang="en-US" smtClean="0"/>
-              <a:t>16-Sep-25</a:t>
+              <a:t>03-Oct-25</a:t>
             </a:fld>
             <a:endParaRPr lang="en-US"/>
           </a:p>
@@ -14575,7 +15130,7 @@
           <a:p>
             <a:fld id="{7B708C30-1428-4C16-AD49-DE42CFEA37BF}" type="datetime1">
               <a:rPr lang="en-US" smtClean="0"/>
-              <a:t>16-Sep-25</a:t>
+              <a:t>03-Oct-25</a:t>
             </a:fld>
             <a:endParaRPr lang="en-US"/>
           </a:p>
@@ -15060,7 +15615,7 @@
             <a:fld id="{DCE8854E-90F8-4761-A9B8-18B1C5A3D25C}" type="datetime1">
               <a:rPr lang="en-US" smtClean="0"/>
               <a:pPr/>
-              <a:t>16-Sep-25</a:t>
+              <a:t>03-Oct-25</a:t>
             </a:fld>
             <a:endParaRPr lang="en-US"/>
           </a:p>
@@ -15548,7 +16103,7 @@
           <a:p>
             <a:fld id="{53DF09C0-6535-4055-81CC-988E059C8EEC}" type="datetime1">
               <a:rPr lang="en-US" smtClean="0"/>
-              <a:t>16-Sep-25</a:t>
+              <a:t>03-Oct-25</a:t>
             </a:fld>
             <a:endParaRPr lang="en-US"/>
           </a:p>
@@ -15778,7 +16333,7 @@
           <a:p>
             <a:fld id="{B85187EE-7BBC-405E-B3F5-9C3E88970356}" type="datetime1">
               <a:rPr lang="en-US" smtClean="0"/>
-              <a:t>16-Sep-25</a:t>
+              <a:t>03-Oct-25</a:t>
             </a:fld>
             <a:endParaRPr lang="en-US"/>
           </a:p>
@@ -16558,7 +17113,7 @@
           <a:p>
             <a:fld id="{967A35BA-41D5-4E87-94C2-E365E2A3656B}" type="datetime1">
               <a:rPr lang="en-US" smtClean="0"/>
-              <a:t>16-Sep-25</a:t>
+              <a:t>03-Oct-25</a:t>
             </a:fld>
             <a:endParaRPr lang="en-US"/>
           </a:p>
@@ -16844,7 +17399,7 @@
             <a:fld id="{BFE899EF-3666-4EAB-A626-E7AA02E66CC1}" type="datetime1">
               <a:rPr lang="en-US" smtClean="0"/>
               <a:pPr/>
-              <a:t>16-Sep-25</a:t>
+              <a:t>03-Oct-25</a:t>
             </a:fld>
             <a:endParaRPr lang="en-US" dirty="0"/>
           </a:p>
@@ -17447,7 +18002,7 @@
           <a:p>
             <a:fld id="{DA4345C7-9F39-4767-92C9-EBF29396D0A9}" type="datetime1">
               <a:rPr lang="en-US" smtClean="0"/>
-              <a:t>16-Sep-25</a:t>
+              <a:t>03-Oct-25</a:t>
             </a:fld>
             <a:endParaRPr lang="en-US"/>
           </a:p>
@@ -17646,7 +18201,7 @@
             <a:fld id="{4A6891D2-C712-4357-A4F9-7362E459A272}" type="datetime1">
               <a:rPr lang="en-US" smtClean="0"/>
               <a:pPr/>
-              <a:t>16-Sep-25</a:t>
+              <a:t>03-Oct-25</a:t>
             </a:fld>
             <a:endParaRPr lang="en-US"/>
           </a:p>
@@ -18396,7 +18951,7 @@
             <a:fld id="{234566FD-24FB-4338-A35C-D9AE347B4F66}" type="datetime1">
               <a:rPr lang="en-US" smtClean="0"/>
               <a:pPr/>
-              <a:t>16-Sep-25</a:t>
+              <a:t>03-Oct-25</a:t>
             </a:fld>
             <a:endParaRPr lang="en-US"/>
           </a:p>
@@ -18900,7 +19455,7 @@
             <a:fld id="{D02BF1DD-1BF4-406D-9906-B4846BCC8D55}" type="datetime1">
               <a:rPr lang="en-US" smtClean="0"/>
               <a:pPr/>
-              <a:t>16-Sep-25</a:t>
+              <a:t>03-Oct-25</a:t>
             </a:fld>
             <a:endParaRPr lang="en-US"/>
           </a:p>
@@ -19273,7 +19828,7 @@
           <a:p>
             <a:fld id="{CD0A52C9-A7D6-4EB8-8F3D-1519181DDC1D}" type="datetime1">
               <a:rPr lang="en-US" smtClean="0"/>
-              <a:t>16-Sep-25</a:t>
+              <a:t>03-Oct-25</a:t>
             </a:fld>
             <a:endParaRPr lang="en-US"/>
           </a:p>
@@ -19742,7 +20297,7 @@
           <a:p>
             <a:fld id="{2E9CE581-A048-42A8-B14C-488A3338D2F0}" type="datetime1">
               <a:rPr lang="en-US" smtClean="0"/>
-              <a:t>16-Sep-25</a:t>
+              <a:t>03-Oct-25</a:t>
             </a:fld>
             <a:endParaRPr lang="en-US"/>
           </a:p>
@@ -19899,7 +20454,7 @@
           <a:p>
             <a:fld id="{F37B15FB-E45F-4977-9C40-BB6531CE6EA6}" type="datetime1">
               <a:rPr lang="en-US" smtClean="0"/>
-              <a:t>16-Sep-25</a:t>
+              <a:t>03-Oct-25</a:t>
             </a:fld>
             <a:endParaRPr lang="en-US"/>
           </a:p>
@@ -20021,7 +20576,7 @@
           <a:p>
             <a:fld id="{18922BC5-E711-4A36-A80E-0A418F83672D}" type="datetime1">
               <a:rPr lang="en-US" smtClean="0"/>
-              <a:t>16-Sep-25</a:t>
+              <a:t>03-Oct-25</a:t>
             </a:fld>
             <a:endParaRPr lang="en-US"/>
           </a:p>
@@ -20335,7 +20890,7 @@
           <a:p>
             <a:fld id="{81D94988-488B-40CC-9623-27A54F95F7B4}" type="datetime1">
               <a:rPr lang="en-US" smtClean="0"/>
-              <a:t>16-Sep-25</a:t>
+              <a:t>03-Oct-25</a:t>
             </a:fld>
             <a:endParaRPr lang="en-US"/>
           </a:p>
@@ -20649,7 +21204,7 @@
           <a:p>
             <a:fld id="{FA3C7011-18F0-49E4-85C9-3E22BE44E3EB}" type="datetime1">
               <a:rPr lang="en-US" smtClean="0"/>
-              <a:t>16-Sep-25</a:t>
+              <a:t>03-Oct-25</a:t>
             </a:fld>
             <a:endParaRPr lang="en-US"/>
           </a:p>
@@ -20934,7 +21489,7 @@
             <a:fld id="{1F92EF8E-B9EB-49F8-83E1-F362FA442011}" type="datetime1">
               <a:rPr lang="en-US" smtClean="0"/>
               <a:pPr/>
-              <a:t>16-Sep-25</a:t>
+              <a:t>03-Oct-25</a:t>
             </a:fld>
             <a:endParaRPr lang="en-US" dirty="0"/>
           </a:p>
@@ -21297,7 +21852,7 @@
           <a:p>
             <a:fld id="{8B1E6060-C53E-4F28-8D83-0C4FB26C4A3F}" type="datetime1">
               <a:rPr lang="en-US" smtClean="0"/>
-              <a:t>16-Sep-25</a:t>
+              <a:t>03-Oct-25</a:t>
             </a:fld>
             <a:endParaRPr lang="en-US"/>
           </a:p>
@@ -21799,7 +22354,7 @@
           <a:p>
             <a:fld id="{1D3D1E3E-5DD4-4BAD-A138-1254BF94C224}" type="datetime1">
               <a:rPr lang="en-US" smtClean="0"/>
-              <a:t>16-Sep-25</a:t>
+              <a:t>03-Oct-25</a:t>
             </a:fld>
             <a:endParaRPr lang="en-US"/>
           </a:p>
@@ -22086,7 +22641,7 @@
             <a:fld id="{BC9EEDB3-BC19-4021-830F-B822E1DE9789}" type="datetime1">
               <a:rPr lang="en-US" smtClean="0"/>
               <a:pPr/>
-              <a:t>16-Sep-25</a:t>
+              <a:t>03-Oct-25</a:t>
             </a:fld>
             <a:endParaRPr lang="en-US" dirty="0"/>
           </a:p>
@@ -22615,7 +23170,7 @@
           <a:p>
             <a:fld id="{014DD65C-314F-4399-90A8-B6DFCAF21BE4}" type="datetime1">
               <a:rPr lang="en-US" smtClean="0"/>
-              <a:t>16-Sep-25</a:t>
+              <a:t>03-Oct-25</a:t>
             </a:fld>
             <a:endParaRPr lang="en-US"/>
           </a:p>
@@ -23113,7 +23668,7 @@
             <a:fld id="{D07A3B59-4DAC-4AFE-874D-3A86EC3801A0}" type="datetime1">
               <a:rPr lang="en-US" smtClean="0"/>
               <a:pPr/>
-              <a:t>16-Sep-25</a:t>
+              <a:t>03-Oct-25</a:t>
             </a:fld>
             <a:endParaRPr lang="en-US"/>
           </a:p>
@@ -23610,7 +24165,7 @@
           <a:p>
             <a:fld id="{76FC08D9-20DE-421C-BE4E-310427BB699B}" type="datetime1">
               <a:rPr lang="en-US" smtClean="0"/>
-              <a:t>16-Sep-25</a:t>
+              <a:t>03-Oct-25</a:t>
             </a:fld>
             <a:endParaRPr lang="en-US" dirty="0"/>
           </a:p>
@@ -23902,7 +24457,7 @@
             <a:fld id="{7DF4F7BB-A1DF-4BD2-8D5B-CA9EB40127CE}" type="datetime1">
               <a:rPr lang="en-US" smtClean="0"/>
               <a:pPr/>
-              <a:t>16-Sep-25</a:t>
+              <a:t>03-Oct-25</a:t>
             </a:fld>
             <a:endParaRPr lang="en-US" dirty="0"/>
           </a:p>
@@ -24374,44 +24929,9 @@
           <a:lstStyle/>
           <a:p>
             <a:r>
-              <a:rPr lang="en-US" dirty="0" err="1"/>
-              <a:t>Inovativna</a:t>
-            </a:r>
-            <a:r>
-              <a:rPr lang="en-US" dirty="0"/>
-              <a:t> </a:t>
-            </a:r>
-            <a:r>
-              <a:rPr lang="en-US" dirty="0" err="1"/>
-              <a:t>platforma</a:t>
-            </a:r>
-            <a:r>
-              <a:rPr lang="en-US" dirty="0"/>
-              <a:t> za </a:t>
-            </a:r>
-            <a:r>
-              <a:rPr lang="en-US" dirty="0" err="1"/>
-              <a:t>upravljanje</a:t>
-            </a:r>
-            <a:r>
-              <a:rPr lang="en-US" dirty="0"/>
-              <a:t> </a:t>
-            </a:r>
-            <a:r>
-              <a:rPr lang="en-US" dirty="0" err="1"/>
-              <a:t>parkiranjem</a:t>
-            </a:r>
-            <a:r>
-              <a:rPr lang="en-US" dirty="0"/>
-              <a:t> u </a:t>
-            </a:r>
-            <a:r>
-              <a:rPr lang="en-US" dirty="0" err="1"/>
-              <a:t>gradovima</a:t>
-            </a:r>
-            <a:endParaRPr lang="en-US" dirty="0"/>
-          </a:p>
-          <a:p>
+              <a:rPr lang="pl-PL" dirty="0"/>
+              <a:t>Pametno rješenje za privatni parking u urbanim sredinam</a:t>
+            </a:r>
             <a:endParaRPr lang="en-US" dirty="0"/>
           </a:p>
         </p:txBody>
@@ -24610,15 +25130,27 @@
           <a:p>
             <a:r>
               <a:rPr lang="en-US" dirty="0"/>
-              <a:t>Pilot grad: Novi Sad | Radoslav Mastilović – Tim </a:t>
+              <a:t>Pilot </a:t>
+            </a:r>
+            <a:r>
+              <a:rPr lang="en-US" dirty="0" err="1"/>
+              <a:t>projekat</a:t>
+            </a:r>
+            <a:r>
+              <a:rPr lang="en-US" dirty="0"/>
+              <a:t>: Novi Sad</a:t>
+            </a:r>
+            <a:br>
+              <a:rPr lang="en-US" dirty="0"/>
+            </a:br>
+            <a:r>
+              <a:rPr lang="en-US" dirty="0"/>
+              <a:t>Autor: Radoslav Mastilović – Tim </a:t>
             </a:r>
             <a:r>
               <a:rPr lang="en-US" dirty="0" err="1"/>
               <a:t>ParkSmart</a:t>
             </a:r>
-            <a:endParaRPr lang="en-US" dirty="0"/>
-          </a:p>
-          <a:p>
             <a:endParaRPr lang="en-US" dirty="0"/>
           </a:p>
         </p:txBody>
@@ -24939,93 +25471,25 @@
         </p:nvSpPr>
         <p:spPr>
           <a:xfrm>
-            <a:off x="8212664" y="687787"/>
-            <a:ext cx="3363259" cy="1993392"/>
+            <a:off x="5191026" y="685807"/>
+            <a:ext cx="6391374" cy="1372001"/>
           </a:xfrm>
         </p:spPr>
         <p:txBody>
           <a:bodyPr anchor="b">
-            <a:normAutofit fontScale="90000"/>
+            <a:normAutofit/>
           </a:bodyPr>
           <a:lstStyle/>
           <a:p>
             <a:r>
-              <a:rPr lang="en-US" sz="2400" dirty="0"/>
+              <a:rPr lang="en-US" sz="2600" dirty="0"/>
               <a:t>Problem: </a:t>
             </a:r>
             <a:r>
-              <a:rPr lang="en-US" sz="2400" dirty="0" err="1"/>
-              <a:t>Nedostatak</a:t>
-            </a:r>
-            <a:r>
-              <a:rPr lang="en-US" sz="2400" dirty="0"/>
-              <a:t> parking </a:t>
-            </a:r>
-            <a:r>
-              <a:rPr lang="en-US" sz="2400" dirty="0" err="1"/>
-              <a:t>mjesta</a:t>
-            </a:r>
-            <a:r>
-              <a:rPr lang="en-US" sz="2400" dirty="0"/>
-              <a:t>, </a:t>
-            </a:r>
-            <a:r>
-              <a:rPr lang="en-US" sz="2400" dirty="0" err="1"/>
-              <a:t>gubitak</a:t>
-            </a:r>
-            <a:r>
-              <a:rPr lang="en-US" sz="2400" dirty="0"/>
-              <a:t> </a:t>
-            </a:r>
-            <a:r>
-              <a:rPr lang="en-US" sz="2400" dirty="0" err="1"/>
-              <a:t>vremena</a:t>
-            </a:r>
-            <a:r>
-              <a:rPr lang="en-US" sz="2400" dirty="0"/>
-              <a:t> </a:t>
-            </a:r>
-            <a:r>
-              <a:rPr lang="en-US" sz="2400" dirty="0" err="1"/>
-              <a:t>i</a:t>
-            </a:r>
-            <a:r>
-              <a:rPr lang="en-US" sz="2400" dirty="0"/>
-              <a:t> </a:t>
-            </a:r>
-            <a:r>
-              <a:rPr lang="en-US" sz="2400" dirty="0" err="1"/>
-              <a:t>novca</a:t>
-            </a:r>
-            <a:r>
-              <a:rPr lang="en-US" sz="2400" dirty="0"/>
-              <a:t>, </a:t>
-            </a:r>
-            <a:r>
-              <a:rPr lang="en-US" sz="2400" dirty="0" err="1"/>
-              <a:t>preopterećeni</a:t>
-            </a:r>
-            <a:r>
-              <a:rPr lang="en-US" sz="2400" dirty="0"/>
-              <a:t> </a:t>
-            </a:r>
-            <a:r>
-              <a:rPr lang="en-US" sz="2400" dirty="0" err="1"/>
-              <a:t>prostori</a:t>
-            </a:r>
-            <a:r>
-              <a:rPr lang="en-US" sz="2400" dirty="0"/>
-              <a:t>, </a:t>
-            </a:r>
-            <a:r>
-              <a:rPr lang="en-US" sz="2400" dirty="0" err="1"/>
-              <a:t>emisija</a:t>
-            </a:r>
-            <a:r>
-              <a:rPr lang="en-US" sz="2400" dirty="0"/>
-              <a:t> CO2</a:t>
-            </a:r>
-            <a:endParaRPr lang="en-US" sz="2200" dirty="0"/>
+              <a:rPr lang="pl-PL" sz="2800" dirty="0"/>
+              <a:t>Nedostatak parkinga u urbanim sredinama</a:t>
+            </a:r>
+            <a:endParaRPr lang="en-US" sz="2600" dirty="0"/>
           </a:p>
         </p:txBody>
       </p:sp>
@@ -25047,15 +25511,15 @@
         </p:nvPicPr>
         <p:blipFill>
           <a:blip r:embed="rId3"/>
-          <a:srcRect l="7602" r="9457"/>
+          <a:srcRect l="24136" r="25990"/>
           <a:stretch>
             <a:fillRect/>
           </a:stretch>
         </p:blipFill>
         <p:spPr>
           <a:xfrm>
-            <a:off x="20" y="10"/>
-            <a:ext cx="7584124" cy="6857990"/>
+            <a:off x="20" y="1"/>
+            <a:ext cx="4560434" cy="6858000"/>
           </a:xfrm>
           <a:prstGeom prst="rect">
             <a:avLst/>
@@ -25091,8 +25555,8 @@
         </p:nvSpPr>
         <p:spPr>
           <a:xfrm>
-            <a:off x="8212791" y="2880360"/>
-            <a:ext cx="3363259" cy="3274612"/>
+            <a:off x="5180729" y="2743204"/>
+            <a:ext cx="6395573" cy="3428989"/>
           </a:xfrm>
         </p:spPr>
         <p:txBody>
@@ -25102,9 +25566,6 @@
           <a:lstStyle/>
           <a:p>
             <a:pPr marL="0" indent="0">
-              <a:lnSpc>
-                <a:spcPct val="90000"/>
-              </a:lnSpc>
               <a:spcBef>
                 <a:spcPts val="2500"/>
               </a:spcBef>
@@ -25112,166 +25573,195 @@
               <a:buNone/>
             </a:pPr>
             <a:r>
-              <a:rPr lang="en-US" sz="1300" b="1" dirty="0" err="1"/>
+              <a:rPr lang="en-US" b="1" dirty="0" err="1"/>
               <a:t>Gubitak</a:t>
             </a:r>
             <a:r>
-              <a:rPr lang="en-US" sz="1300" b="1" dirty="0"/>
+              <a:rPr lang="en-US" b="1" dirty="0"/>
               <a:t> </a:t>
             </a:r>
             <a:r>
-              <a:rPr lang="en-US" sz="1300" b="1" dirty="0" err="1"/>
+              <a:rPr lang="en-US" b="1" dirty="0" err="1"/>
               <a:t>vremena</a:t>
             </a:r>
             <a:r>
-              <a:rPr lang="en-US" sz="1300" b="1" dirty="0"/>
+              <a:rPr lang="en-US" b="1" dirty="0"/>
               <a:t> </a:t>
             </a:r>
             <a:r>
-              <a:rPr lang="en-US" sz="1300" b="1" dirty="0" err="1"/>
+              <a:rPr lang="en-US" b="1" dirty="0" err="1"/>
               <a:t>i</a:t>
             </a:r>
             <a:r>
-              <a:rPr lang="en-US" sz="1300" b="1" dirty="0"/>
+              <a:rPr lang="en-US" b="1" dirty="0"/>
               <a:t> </a:t>
             </a:r>
             <a:r>
-              <a:rPr lang="en-US" sz="1300" b="1" dirty="0" err="1"/>
+              <a:rPr lang="en-US" b="1" dirty="0" err="1"/>
               <a:t>novca</a:t>
             </a:r>
-            <a:endParaRPr lang="en-US" sz="1300" b="1" dirty="0"/>
+            <a:endParaRPr lang="en-US" b="1" dirty="0"/>
           </a:p>
           <a:p>
             <a:pPr marL="0" lvl="1" indent="0">
-              <a:lnSpc>
-                <a:spcPct val="90000"/>
-              </a:lnSpc>
               <a:buFont typeface="Arial" panose="020B0604020202020204" pitchFamily="34" charset="0"/>
               <a:buNone/>
             </a:pPr>
             <a:r>
-              <a:rPr lang="en-US" sz="1300" dirty="0" err="1"/>
+              <a:rPr lang="en-US" dirty="0" err="1"/>
               <a:t>Vozači</a:t>
             </a:r>
             <a:r>
-              <a:rPr lang="en-US" sz="1300" dirty="0"/>
+              <a:rPr lang="en-US" dirty="0"/>
               <a:t> u </a:t>
             </a:r>
             <a:r>
-              <a:rPr lang="en-US" sz="1300" dirty="0" err="1"/>
+              <a:rPr lang="en-US" dirty="0" err="1"/>
               <a:t>gradovima</a:t>
             </a:r>
             <a:r>
-              <a:rPr lang="en-US" sz="1300" dirty="0"/>
+              <a:rPr lang="en-US" dirty="0"/>
               <a:t> </a:t>
             </a:r>
             <a:r>
-              <a:rPr lang="en-US" sz="1300" dirty="0" err="1"/>
+              <a:rPr lang="en-US" dirty="0" err="1"/>
               <a:t>troše</a:t>
             </a:r>
             <a:r>
-              <a:rPr lang="en-US" sz="1300" dirty="0"/>
+              <a:rPr lang="en-US" dirty="0"/>
               <a:t> </a:t>
             </a:r>
             <a:r>
-              <a:rPr lang="en-US" sz="1300" dirty="0" err="1"/>
+              <a:rPr lang="en-US" dirty="0" err="1"/>
               <a:t>puno</a:t>
             </a:r>
             <a:r>
-              <a:rPr lang="en-US" sz="1300" dirty="0"/>
+              <a:rPr lang="en-US" dirty="0"/>
               <a:t> </a:t>
             </a:r>
             <a:r>
-              <a:rPr lang="en-US" sz="1300" dirty="0" err="1"/>
+              <a:rPr lang="en-US" dirty="0" err="1"/>
               <a:t>vremena</a:t>
             </a:r>
             <a:r>
-              <a:rPr lang="en-US" sz="1300" dirty="0"/>
+              <a:rPr lang="en-US" dirty="0"/>
+              <a:t> (15 </a:t>
+            </a:r>
+            <a:r>
+              <a:rPr lang="en-US" dirty="0" err="1"/>
+              <a:t>minuta</a:t>
+            </a:r>
+            <a:r>
+              <a:rPr lang="en-US" dirty="0"/>
+              <a:t> u </a:t>
+            </a:r>
+            <a:r>
+              <a:rPr lang="en-US" dirty="0" err="1"/>
+              <a:t>prosjeku</a:t>
+            </a:r>
+            <a:r>
+              <a:rPr lang="en-US" dirty="0"/>
+              <a:t>) </a:t>
+            </a:r>
+            <a:r>
+              <a:rPr lang="en-US" dirty="0" err="1"/>
+              <a:t>i</a:t>
+            </a:r>
+            <a:r>
+              <a:rPr lang="en-US" dirty="0"/>
               <a:t> </a:t>
             </a:r>
             <a:r>
-              <a:rPr lang="en-US" sz="1300" dirty="0" err="1"/>
+              <a:rPr lang="en-US" dirty="0" err="1"/>
+              <a:t>novca</a:t>
+            </a:r>
+            <a:r>
+              <a:rPr lang="en-US" dirty="0"/>
+              <a:t> </a:t>
+            </a:r>
+            <a:r>
+              <a:rPr lang="en-US" dirty="0" err="1"/>
+              <a:t>tražeći</a:t>
+            </a:r>
+            <a:r>
+              <a:rPr lang="en-US" dirty="0"/>
+              <a:t> </a:t>
+            </a:r>
+            <a:r>
+              <a:rPr lang="en-US" dirty="0" err="1"/>
+              <a:t>slobodno</a:t>
+            </a:r>
+            <a:r>
+              <a:rPr lang="en-US" dirty="0"/>
+              <a:t> parking </a:t>
+            </a:r>
+            <a:r>
+              <a:rPr lang="en-US" dirty="0" err="1"/>
+              <a:t>mjesto</a:t>
+            </a:r>
+            <a:r>
+              <a:rPr lang="en-US" dirty="0"/>
+              <a:t>, </a:t>
+            </a:r>
+            <a:r>
+              <a:rPr lang="en-US" dirty="0" err="1"/>
+              <a:t>što</a:t>
+            </a:r>
+            <a:r>
+              <a:rPr lang="en-US" dirty="0"/>
+              <a:t> </a:t>
+            </a:r>
+            <a:r>
+              <a:rPr lang="en-US" dirty="0" err="1"/>
+              <a:t>povećava</a:t>
+            </a:r>
+            <a:r>
+              <a:rPr lang="sr-Latn-RS" dirty="0"/>
+              <a:t> </a:t>
+            </a:r>
+            <a:r>
+              <a:rPr lang="en-US" dirty="0" err="1"/>
+              <a:t>saobra</a:t>
+            </a:r>
+            <a:r>
+              <a:rPr lang="sr-Latn-RS" dirty="0" err="1"/>
+              <a:t>ćajne</a:t>
+            </a:r>
+            <a:r>
+              <a:rPr lang="sr-Latn-RS" dirty="0"/>
+              <a:t> gužve,</a:t>
+            </a:r>
+            <a:r>
+              <a:rPr lang="en-US" dirty="0"/>
+              <a:t> </a:t>
+            </a:r>
+            <a:r>
+              <a:rPr lang="en-US" dirty="0" err="1"/>
+              <a:t>stres</a:t>
+            </a:r>
+            <a:r>
+              <a:rPr lang="en-US" dirty="0"/>
+              <a:t> </a:t>
+            </a:r>
+            <a:r>
+              <a:rPr lang="en-US" dirty="0" err="1"/>
               <a:t>i</a:t>
             </a:r>
             <a:r>
-              <a:rPr lang="en-US" sz="1300" dirty="0"/>
+              <a:rPr lang="en-US" dirty="0"/>
               <a:t> </a:t>
             </a:r>
             <a:r>
-              <a:rPr lang="en-US" sz="1300" dirty="0" err="1"/>
-              <a:t>novca</a:t>
-            </a:r>
-            <a:r>
-              <a:rPr lang="en-US" sz="1300" dirty="0"/>
-              <a:t> </a:t>
-            </a:r>
-            <a:r>
-              <a:rPr lang="en-US" sz="1300" dirty="0" err="1"/>
-              <a:t>tražeći</a:t>
-            </a:r>
-            <a:r>
-              <a:rPr lang="en-US" sz="1300" dirty="0"/>
-              <a:t> </a:t>
-            </a:r>
-            <a:r>
-              <a:rPr lang="en-US" sz="1300" dirty="0" err="1"/>
-              <a:t>slobodno</a:t>
-            </a:r>
-            <a:r>
-              <a:rPr lang="en-US" sz="1300" dirty="0"/>
-              <a:t> parking </a:t>
-            </a:r>
-            <a:r>
-              <a:rPr lang="en-US" sz="1300" dirty="0" err="1"/>
-              <a:t>mjesto</a:t>
-            </a:r>
-            <a:r>
-              <a:rPr lang="en-US" sz="1300" dirty="0"/>
-              <a:t>, </a:t>
-            </a:r>
-            <a:r>
-              <a:rPr lang="en-US" sz="1300" dirty="0" err="1"/>
-              <a:t>što</a:t>
-            </a:r>
-            <a:r>
-              <a:rPr lang="en-US" sz="1300" dirty="0"/>
-              <a:t> </a:t>
-            </a:r>
-            <a:r>
-              <a:rPr lang="en-US" sz="1300" dirty="0" err="1"/>
-              <a:t>povećava</a:t>
-            </a:r>
-            <a:r>
-              <a:rPr lang="en-US" sz="1300" dirty="0"/>
-              <a:t> </a:t>
-            </a:r>
-            <a:r>
-              <a:rPr lang="en-US" sz="1300" dirty="0" err="1"/>
-              <a:t>stres</a:t>
-            </a:r>
-            <a:r>
-              <a:rPr lang="en-US" sz="1300" dirty="0"/>
-              <a:t> </a:t>
-            </a:r>
-            <a:r>
-              <a:rPr lang="en-US" sz="1300" dirty="0" err="1"/>
-              <a:t>i</a:t>
-            </a:r>
-            <a:r>
-              <a:rPr lang="en-US" sz="1300" dirty="0"/>
-              <a:t> </a:t>
-            </a:r>
-            <a:r>
-              <a:rPr lang="en-US" sz="1300" dirty="0" err="1"/>
+              <a:rPr lang="en-US" dirty="0" err="1"/>
               <a:t>troškove</a:t>
             </a:r>
-            <a:endParaRPr lang="en-US" sz="1300" dirty="0"/>
+            <a:r>
+              <a:rPr lang="en-US" dirty="0"/>
+              <a:t>.</a:t>
+            </a:r>
           </a:p>
           <a:p>
             <a:pPr marL="0" indent="0">
-              <a:lnSpc>
-                <a:spcPct val="90000"/>
-              </a:lnSpc>
               <a:spcBef>
                 <a:spcPts val="2500"/>
               </a:spcBef>
@@ -25279,145 +25769,144 @@
               <a:buNone/>
             </a:pPr>
             <a:r>
-              <a:rPr lang="en-US" sz="1300" b="1" dirty="0" err="1"/>
+              <a:rPr lang="en-US" b="1" dirty="0" err="1"/>
               <a:t>Neefikasna</a:t>
             </a:r>
             <a:r>
-              <a:rPr lang="en-US" sz="1300" b="1" dirty="0"/>
+              <a:rPr lang="en-US" b="1" dirty="0"/>
               <a:t> </a:t>
             </a:r>
             <a:r>
-              <a:rPr lang="en-US" sz="1300" b="1" dirty="0" err="1"/>
+              <a:rPr lang="en-US" b="1" dirty="0" err="1"/>
               <a:t>iskorištenost</a:t>
             </a:r>
             <a:r>
-              <a:rPr lang="en-US" sz="1300" b="1" dirty="0"/>
+              <a:rPr lang="en-US" b="1" dirty="0"/>
               <a:t> </a:t>
             </a:r>
             <a:r>
-              <a:rPr lang="en-US" sz="1300" b="1" dirty="0" err="1"/>
+              <a:rPr lang="en-US" b="1" dirty="0" err="1"/>
               <a:t>prostora</a:t>
             </a:r>
-            <a:endParaRPr lang="en-US" sz="1300" b="1" dirty="0"/>
-          </a:p>
-          <a:p>
-            <a:pPr marL="0" lvl="1" indent="0">
-              <a:lnSpc>
-                <a:spcPct val="90000"/>
-              </a:lnSpc>
-              <a:buFont typeface="Arial" panose="020B0604020202020204" pitchFamily="34" charset="0"/>
-              <a:buNone/>
-            </a:pPr>
-            <a:r>
-              <a:rPr lang="en-US" sz="1300" dirty="0" err="1"/>
+            <a:endParaRPr lang="en-US" b="1" dirty="0"/>
+          </a:p>
+          <a:p>
+            <a:pPr marL="0" lvl="1"/>
+            <a:r>
+              <a:rPr lang="en-US" dirty="0" err="1"/>
               <a:t>Mnogi</a:t>
             </a:r>
             <a:r>
-              <a:rPr lang="en-US" sz="1300" dirty="0"/>
+              <a:rPr lang="en-US" dirty="0"/>
+              <a:t> </a:t>
+            </a:r>
+            <a:r>
+              <a:rPr lang="en-US" dirty="0" err="1"/>
+              <a:t>privatni</a:t>
+            </a:r>
+            <a:r>
+              <a:rPr lang="en-US" dirty="0"/>
               <a:t> parking </a:t>
             </a:r>
             <a:r>
-              <a:rPr lang="en-US" sz="1300" dirty="0" err="1"/>
+              <a:rPr lang="en-US" dirty="0" err="1"/>
               <a:t>prostori</a:t>
             </a:r>
             <a:r>
-              <a:rPr lang="en-US" sz="1300" dirty="0"/>
+              <a:rPr lang="en-US" dirty="0"/>
+              <a:t> </a:t>
+            </a:r>
+            <a:r>
+              <a:rPr lang="en-US" dirty="0" err="1"/>
+              <a:t>ostaju</a:t>
+            </a:r>
+            <a:r>
+              <a:rPr lang="en-US" dirty="0"/>
+              <a:t> </a:t>
+            </a:r>
+            <a:r>
+              <a:rPr lang="en-US" dirty="0" err="1"/>
+              <a:t>prazni</a:t>
+            </a:r>
+            <a:r>
+              <a:rPr lang="en-US" dirty="0"/>
+              <a:t> </a:t>
+            </a:r>
+            <a:r>
+              <a:rPr lang="en-US" dirty="0" err="1"/>
+              <a:t>i</a:t>
+            </a:r>
+            <a:r>
+              <a:rPr lang="en-US" dirty="0"/>
+              <a:t> </a:t>
+            </a:r>
+            <a:r>
+              <a:rPr lang="en-US" dirty="0" err="1"/>
+              <a:t>neiskorišteni</a:t>
+            </a:r>
+            <a:r>
+              <a:rPr lang="en-US" dirty="0"/>
               <a:t>, </a:t>
             </a:r>
             <a:r>
-              <a:rPr lang="en-US" sz="1300" dirty="0" err="1"/>
-              <a:t>naročito</a:t>
-            </a:r>
-            <a:r>
-              <a:rPr lang="en-US" sz="1300" dirty="0"/>
+              <a:rPr lang="en-US" dirty="0" err="1"/>
+              <a:t>dok</a:t>
+            </a:r>
+            <a:r>
+              <a:rPr lang="en-US" dirty="0"/>
               <a:t> </a:t>
             </a:r>
             <a:r>
-              <a:rPr lang="en-US" sz="1300" dirty="0" err="1"/>
-              <a:t>privatni</a:t>
-            </a:r>
-            <a:r>
-              <a:rPr lang="en-US" sz="1300" dirty="0"/>
-              <a:t>, </a:t>
-            </a:r>
-            <a:r>
-              <a:rPr lang="en-US" sz="1300" dirty="0" err="1"/>
-              <a:t>nisu</a:t>
-            </a:r>
-            <a:r>
-              <a:rPr lang="en-US" sz="1300" dirty="0"/>
+              <a:rPr lang="en-US" dirty="0" err="1"/>
+              <a:t>su</a:t>
+            </a:r>
+            <a:r>
+              <a:rPr lang="en-US" dirty="0"/>
               <a:t> </a:t>
             </a:r>
             <a:r>
-              <a:rPr lang="en-US" sz="1300" dirty="0" err="1"/>
-              <a:t>optimalno</a:t>
-            </a:r>
-            <a:r>
-              <a:rPr lang="en-US" sz="1300" dirty="0"/>
+              <a:rPr lang="en-US" dirty="0" err="1"/>
+              <a:t>javni</a:t>
+            </a:r>
+            <a:r>
+              <a:rPr lang="en-US" dirty="0"/>
               <a:t> </a:t>
             </a:r>
             <a:r>
-              <a:rPr lang="en-US" sz="1300" dirty="0" err="1"/>
-              <a:t>iskorišteni</a:t>
-            </a:r>
-            <a:r>
-              <a:rPr lang="en-US" sz="1300" dirty="0"/>
-              <a:t>, </a:t>
-            </a:r>
-            <a:r>
-              <a:rPr lang="en-US" sz="1300" dirty="0" err="1"/>
-              <a:t>što</a:t>
-            </a:r>
-            <a:r>
-              <a:rPr lang="en-US" sz="1300" dirty="0"/>
+              <a:rPr lang="en-US" dirty="0" err="1"/>
+              <a:t>kapaciteti</a:t>
+            </a:r>
+            <a:r>
+              <a:rPr lang="en-US" dirty="0"/>
               <a:t> </a:t>
             </a:r>
             <a:r>
-              <a:rPr lang="en-US" sz="1300" dirty="0" err="1"/>
-              <a:t>dovodi</a:t>
-            </a:r>
-            <a:r>
-              <a:rPr lang="en-US" sz="1300" dirty="0"/>
-              <a:t> do </a:t>
-            </a:r>
-            <a:r>
-              <a:rPr lang="en-US" sz="1300" dirty="0" err="1"/>
-              <a:t>preopterećenosti</a:t>
-            </a:r>
-            <a:r>
-              <a:rPr lang="en-US" sz="1300" dirty="0"/>
+              <a:rPr lang="en-US" dirty="0" err="1"/>
+              <a:t>preopterećeni</a:t>
+            </a:r>
+            <a:r>
+              <a:rPr lang="en-US" dirty="0"/>
               <a:t> </a:t>
             </a:r>
             <a:r>
-              <a:rPr lang="en-US" sz="1300" dirty="0" err="1"/>
+              <a:rPr lang="en-US" dirty="0" err="1"/>
               <a:t>i</a:t>
             </a:r>
             <a:r>
-              <a:rPr lang="en-US" sz="1300" dirty="0"/>
+              <a:rPr lang="en-US" dirty="0"/>
               <a:t> </a:t>
             </a:r>
             <a:r>
-              <a:rPr lang="en-US" sz="1300" dirty="0" err="1"/>
-              <a:t>manjka</a:t>
-            </a:r>
-            <a:r>
-              <a:rPr lang="en-US" sz="1300" dirty="0"/>
-              <a:t> </a:t>
-            </a:r>
-            <a:r>
-              <a:rPr lang="en-US" sz="1300" dirty="0" err="1"/>
-              <a:t>mjesta</a:t>
-            </a:r>
-            <a:r>
-              <a:rPr lang="en-US" sz="1300" dirty="0"/>
+              <a:rPr lang="en-US" dirty="0" err="1"/>
+              <a:t>nedovoljni</a:t>
+            </a:r>
+            <a:r>
+              <a:rPr lang="en-US" dirty="0"/>
               <a:t>.</a:t>
             </a:r>
           </a:p>
           <a:p>
             <a:pPr marL="0" indent="0">
-              <a:lnSpc>
-                <a:spcPct val="90000"/>
-              </a:lnSpc>
               <a:spcBef>
                 <a:spcPts val="2500"/>
               </a:spcBef>
@@ -25425,134 +25914,61 @@
               <a:buNone/>
             </a:pPr>
             <a:r>
-              <a:rPr lang="en-US" sz="1300" b="1" dirty="0" err="1"/>
+              <a:rPr lang="en-US" b="1" dirty="0" err="1"/>
               <a:t>Povećane</a:t>
             </a:r>
             <a:r>
-              <a:rPr lang="en-US" sz="1300" b="1" dirty="0"/>
+              <a:rPr lang="en-US" b="1" dirty="0"/>
               <a:t> </a:t>
             </a:r>
             <a:r>
-              <a:rPr lang="en-US" sz="1300" b="1" dirty="0" err="1"/>
+              <a:rPr lang="en-US" b="1" dirty="0" err="1"/>
               <a:t>emisije</a:t>
             </a:r>
             <a:r>
-              <a:rPr lang="en-US" sz="1300" b="1" dirty="0"/>
+              <a:rPr lang="en-US" b="1" dirty="0"/>
               <a:t> CO2</a:t>
             </a:r>
           </a:p>
           <a:p>
-            <a:pPr marL="0" lvl="1" indent="0">
-              <a:lnSpc>
-                <a:spcPct val="90000"/>
-              </a:lnSpc>
-              <a:buFont typeface="Arial" panose="020B0604020202020204" pitchFamily="34" charset="0"/>
-              <a:buNone/>
-            </a:pPr>
-            <a:r>
-              <a:rPr lang="en-US" sz="1300" dirty="0" err="1"/>
+            <a:pPr marL="0" lvl="1"/>
+            <a:r>
+              <a:rPr lang="en-US" dirty="0" err="1"/>
               <a:t>Traženje</a:t>
             </a:r>
             <a:r>
-              <a:rPr lang="en-US" sz="1300" dirty="0"/>
+              <a:rPr lang="en-US" dirty="0"/>
               <a:t> parking </a:t>
             </a:r>
             <a:r>
-              <a:rPr lang="en-US" sz="1300" dirty="0" err="1"/>
+              <a:rPr lang="en-US" dirty="0" err="1"/>
               <a:t>mjesta</a:t>
             </a:r>
             <a:r>
-              <a:rPr lang="en-US" sz="1300" dirty="0"/>
+              <a:rPr lang="en-US" dirty="0"/>
               <a:t> </a:t>
             </a:r>
             <a:r>
-              <a:rPr lang="en-US" sz="1300" dirty="0" err="1"/>
+              <a:rPr lang="en-US" dirty="0" err="1"/>
               <a:t>povećava</a:t>
             </a:r>
             <a:r>
-              <a:rPr lang="en-US" sz="1300" dirty="0"/>
+              <a:rPr lang="en-US" dirty="0"/>
               <a:t> </a:t>
             </a:r>
             <a:r>
-              <a:rPr lang="en-US" sz="1300" dirty="0" err="1"/>
+              <a:rPr lang="en-US" dirty="0" err="1"/>
               <a:t>emisiju</a:t>
             </a:r>
             <a:r>
-              <a:rPr lang="en-US" sz="1300" dirty="0"/>
+              <a:rPr lang="en-US" dirty="0"/>
               <a:t> CO2, </a:t>
             </a:r>
             <a:r>
-              <a:rPr lang="en-US" sz="1300" dirty="0" err="1"/>
-              <a:t>što</a:t>
-            </a:r>
-            <a:r>
-              <a:rPr lang="en-US" sz="1300" dirty="0"/>
-              <a:t> </a:t>
-            </a:r>
-            <a:r>
-              <a:rPr lang="en-US" sz="1300" dirty="0" err="1"/>
-              <a:t>negativno</a:t>
-            </a:r>
-            <a:r>
-              <a:rPr lang="en-US" sz="1300" dirty="0"/>
-              <a:t> </a:t>
-            </a:r>
-            <a:r>
-              <a:rPr lang="en-US" sz="1300" dirty="0" err="1"/>
-              <a:t>utječe</a:t>
-            </a:r>
-            <a:r>
-              <a:rPr lang="en-US" sz="1300" dirty="0"/>
-              <a:t> </a:t>
-            </a:r>
-            <a:r>
-              <a:rPr lang="en-US" sz="1300" dirty="0" err="1"/>
-              <a:t>na</a:t>
-            </a:r>
-            <a:r>
-              <a:rPr lang="en-US" sz="1300" dirty="0"/>
-              <a:t> </a:t>
-            </a:r>
-            <a:r>
-              <a:rPr lang="en-US" sz="1300" dirty="0" err="1"/>
-              <a:t>okoliš</a:t>
-            </a:r>
-            <a:r>
-              <a:rPr lang="en-US" sz="1300" dirty="0"/>
-              <a:t> </a:t>
-            </a:r>
-            <a:r>
-              <a:rPr lang="en-US" sz="1300" dirty="0" err="1"/>
-              <a:t>i</a:t>
-            </a:r>
-            <a:r>
-              <a:rPr lang="en-US" sz="1300" dirty="0"/>
-              <a:t> </a:t>
-            </a:r>
-            <a:r>
-              <a:rPr lang="en-US" sz="1300" dirty="0" err="1"/>
-              <a:t>kvalitetu</a:t>
-            </a:r>
-            <a:r>
-              <a:rPr lang="en-US" sz="1300" dirty="0"/>
-              <a:t> </a:t>
-            </a:r>
-            <a:r>
-              <a:rPr lang="en-US" sz="1300" dirty="0" err="1"/>
-              <a:t>zraka</a:t>
-            </a:r>
-            <a:r>
-              <a:rPr lang="en-US" sz="1300" dirty="0"/>
-              <a:t> u </a:t>
-            </a:r>
-            <a:r>
-              <a:rPr lang="en-US" sz="1300" dirty="0" err="1"/>
-              <a:t>gradovima</a:t>
-            </a:r>
-            <a:r>
-              <a:rPr lang="en-US" sz="1300" dirty="0"/>
-              <a:t>.</a:t>
-            </a:r>
+              <a:rPr lang="pt-BR" dirty="0"/>
+              <a:t>što negativno utiče na životnu sredinu i kvalitet vazduha u gradovima.</a:t>
+            </a:r>
+            <a:endParaRPr lang="en-US" dirty="0"/>
           </a:p>
         </p:txBody>
       </p:sp>
@@ -25699,8 +26115,8 @@
         </p:nvSpPr>
         <p:spPr>
           <a:xfrm>
-            <a:off x="7010400" y="685800"/>
-            <a:ext cx="4561665" cy="1371264"/>
+            <a:off x="5191026" y="685807"/>
+            <a:ext cx="6391374" cy="1372001"/>
           </a:xfrm>
         </p:spPr>
         <p:txBody>
@@ -25710,114 +26126,46 @@
           <a:lstStyle/>
           <a:p>
             <a:r>
-              <a:rPr lang="en-US" sz="1800" dirty="0" err="1"/>
+              <a:rPr lang="en-US" sz="2200" dirty="0" err="1"/>
               <a:t>Rješenje</a:t>
             </a:r>
             <a:r>
-              <a:rPr lang="en-US" sz="1800" dirty="0"/>
-              <a:t>: Web </a:t>
-            </a:r>
-            <a:r>
-              <a:rPr lang="en-US" sz="1800" dirty="0" err="1"/>
+              <a:rPr lang="en-US" sz="2200" dirty="0"/>
+              <a:t>: </a:t>
+            </a:r>
+            <a:r>
+              <a:rPr lang="en-US" sz="2400" dirty="0"/>
+              <a:t>Web </a:t>
+            </a:r>
+            <a:r>
+              <a:rPr lang="en-US" sz="2400" dirty="0" err="1"/>
               <a:t>platforma</a:t>
             </a:r>
             <a:r>
-              <a:rPr lang="en-US" sz="1800" dirty="0"/>
+              <a:rPr lang="en-US" sz="2400" dirty="0"/>
               <a:t> za </a:t>
             </a:r>
             <a:r>
-              <a:rPr lang="en-US" sz="1800" dirty="0" err="1"/>
+              <a:rPr lang="en-US" sz="2400" dirty="0" err="1"/>
               <a:t>dijeljenje</a:t>
             </a:r>
             <a:r>
-              <a:rPr lang="en-US" sz="1800" dirty="0"/>
+              <a:rPr lang="en-US" sz="2400" dirty="0"/>
               <a:t> </a:t>
             </a:r>
             <a:r>
-              <a:rPr lang="en-US" sz="1800" dirty="0" err="1"/>
+              <a:rPr lang="en-US" sz="2400" dirty="0" err="1"/>
               <a:t>privatnih</a:t>
             </a:r>
             <a:r>
-              <a:rPr lang="en-US" sz="1800" dirty="0"/>
+              <a:rPr lang="en-US" sz="2400" dirty="0"/>
               <a:t> parking </a:t>
             </a:r>
             <a:r>
-              <a:rPr lang="en-US" sz="1800" dirty="0" err="1"/>
+              <a:rPr lang="en-US" sz="2400" dirty="0" err="1"/>
               <a:t>mjesta</a:t>
             </a:r>
-            <a:r>
-              <a:rPr lang="en-US" sz="1800" dirty="0"/>
-              <a:t>, </a:t>
-            </a:r>
-            <a:r>
-              <a:rPr lang="en-US" sz="1800" dirty="0" err="1"/>
-              <a:t>povezivanje</a:t>
-            </a:r>
-            <a:r>
-              <a:rPr lang="en-US" sz="1800" dirty="0"/>
-              <a:t> </a:t>
-            </a:r>
-            <a:r>
-              <a:rPr lang="en-US" sz="1800" dirty="0" err="1"/>
-              <a:t>vlasnika</a:t>
-            </a:r>
-            <a:r>
-              <a:rPr lang="en-US" sz="1800" dirty="0"/>
-              <a:t> </a:t>
-            </a:r>
-            <a:r>
-              <a:rPr lang="en-US" sz="1800" dirty="0" err="1"/>
-              <a:t>i</a:t>
-            </a:r>
-            <a:r>
-              <a:rPr lang="en-US" sz="1800" dirty="0"/>
-              <a:t> </a:t>
-            </a:r>
-            <a:r>
-              <a:rPr lang="en-US" sz="1800" dirty="0" err="1"/>
-              <a:t>vozača</a:t>
-            </a:r>
-            <a:r>
-              <a:rPr lang="en-US" sz="1800" dirty="0"/>
-              <a:t>, </a:t>
-            </a:r>
-            <a:r>
-              <a:rPr lang="en-US" sz="1800" dirty="0" err="1"/>
-              <a:t>rezervacija</a:t>
-            </a:r>
-            <a:r>
-              <a:rPr lang="en-US" sz="1800" dirty="0"/>
-              <a:t> </a:t>
-            </a:r>
-            <a:r>
-              <a:rPr lang="en-US" sz="1800" dirty="0" err="1"/>
-              <a:t>unaprijed</a:t>
-            </a:r>
-            <a:r>
-              <a:rPr lang="en-US" sz="1800" dirty="0"/>
-              <a:t> </a:t>
-            </a:r>
-            <a:r>
-              <a:rPr lang="en-US" sz="1800" dirty="0" err="1"/>
-              <a:t>ili</a:t>
-            </a:r>
-            <a:r>
-              <a:rPr lang="en-US" sz="1800" dirty="0"/>
-              <a:t> u </a:t>
-            </a:r>
-            <a:r>
-              <a:rPr lang="en-US" sz="1800" dirty="0" err="1"/>
-              <a:t>realnom</a:t>
-            </a:r>
-            <a:r>
-              <a:rPr lang="en-US" sz="1800" dirty="0"/>
-              <a:t> </a:t>
-            </a:r>
-            <a:r>
-              <a:rPr lang="en-US" sz="1800" dirty="0" err="1"/>
-              <a:t>vremenu</a:t>
-            </a:r>
-            <a:endParaRPr lang="en-US" sz="1800" dirty="0"/>
+            <a:endParaRPr lang="en-US" sz="2200" dirty="0"/>
           </a:p>
         </p:txBody>
       </p:sp>
@@ -25834,20 +26182,20 @@
             <a:picLocks noGrp="1" noChangeAspect="1"/>
           </p:cNvPicPr>
           <p:nvPr>
-            <p:ph type="pic" sz="quarter" idx="15"/>
+            <p:ph type="pic" sz="quarter" idx="13"/>
           </p:nvPr>
         </p:nvPicPr>
         <p:blipFill>
           <a:blip r:embed="rId3"/>
-          <a:srcRect l="4807" r="11793" b="-2"/>
+          <a:srcRect l="16749" r="23734" b="-2"/>
           <a:stretch>
             <a:fillRect/>
           </a:stretch>
         </p:blipFill>
         <p:spPr>
           <a:xfrm>
-            <a:off x="1" y="10"/>
-            <a:ext cx="6390464" cy="6857990"/>
+            <a:off x="20" y="1"/>
+            <a:ext cx="4560434" cy="6858000"/>
           </a:xfrm>
           <a:prstGeom prst="rect">
             <a:avLst/>
@@ -25883,8 +26231,8 @@
         </p:nvSpPr>
         <p:spPr>
           <a:xfrm>
-            <a:off x="7020736" y="2286000"/>
-            <a:ext cx="4561665" cy="3886200"/>
+            <a:off x="5180729" y="2743204"/>
+            <a:ext cx="6395573" cy="3428989"/>
           </a:xfrm>
         </p:spPr>
         <p:txBody>
@@ -25931,91 +26279,103 @@
             <a:endParaRPr lang="en-US" b="1" dirty="0"/>
           </a:p>
           <a:p>
-            <a:pPr marL="0" lvl="1" indent="0">
-              <a:buFont typeface="Arial" panose="020B0604020202020204" pitchFamily="34" charset="0"/>
-              <a:buNone/>
-            </a:pPr>
-            <a:r>
-              <a:rPr dirty="0" err="1"/>
-              <a:t>Platforma</a:t>
-            </a:r>
-            <a:r>
-              <a:rPr dirty="0"/>
+            <a:pPr marL="0" lvl="1"/>
+            <a:r>
+              <a:rPr lang="en-US" dirty="0" err="1"/>
+              <a:t>Omogućava</a:t>
+            </a:r>
+            <a:r>
+              <a:rPr lang="en-US" dirty="0"/>
               <a:t> </a:t>
             </a:r>
             <a:r>
-              <a:rPr dirty="0" err="1"/>
-              <a:t>olakšava</a:t>
-            </a:r>
-            <a:r>
-              <a:rPr dirty="0"/>
+              <a:rPr lang="en-US" dirty="0" err="1"/>
+              <a:t>direktnu</a:t>
+            </a:r>
+            <a:r>
+              <a:rPr lang="en-US" dirty="0"/>
               <a:t> </a:t>
             </a:r>
             <a:r>
-              <a:rPr dirty="0" err="1"/>
-              <a:t>povezivanje</a:t>
-            </a:r>
-            <a:r>
-              <a:rPr dirty="0"/>
+              <a:rPr lang="en-US" dirty="0" err="1"/>
+              <a:t>vezu</a:t>
+            </a:r>
+            <a:r>
+              <a:rPr lang="en-US" dirty="0"/>
               <a:t> </a:t>
             </a:r>
             <a:r>
-              <a:rPr dirty="0" err="1"/>
+              <a:rPr lang="en-US" dirty="0" err="1"/>
+              <a:t>između</a:t>
+            </a:r>
+            <a:r>
+              <a:rPr lang="en-US" dirty="0"/>
+              <a:t> </a:t>
+            </a:r>
+            <a:r>
+              <a:rPr lang="en-US" dirty="0" err="1"/>
               <a:t>vlasnika</a:t>
             </a:r>
             <a:r>
-              <a:rPr dirty="0"/>
+              <a:rPr lang="en-US" dirty="0"/>
               <a:t> </a:t>
             </a:r>
             <a:r>
-              <a:rPr dirty="0" err="1"/>
+              <a:rPr lang="en-US" dirty="0" err="1"/>
               <a:t>slobodnih</a:t>
             </a:r>
             <a:r>
-              <a:rPr dirty="0"/>
+              <a:rPr lang="en-US" dirty="0"/>
               <a:t> parking </a:t>
             </a:r>
             <a:r>
-              <a:rPr dirty="0" err="1"/>
+              <a:rPr lang="en-US" dirty="0" err="1"/>
               <a:t>mjesta</a:t>
             </a:r>
             <a:r>
-              <a:rPr dirty="0"/>
-              <a:t> s </a:t>
-            </a:r>
-            <a:r>
-              <a:rPr dirty="0" err="1"/>
-              <a:t>vozačima</a:t>
-            </a:r>
-            <a:r>
-              <a:rPr dirty="0"/>
+              <a:rPr lang="en-US" dirty="0"/>
               <a:t> </a:t>
             </a:r>
             <a:r>
-              <a:rPr dirty="0" err="1"/>
+              <a:rPr lang="en-US" dirty="0" err="1"/>
+              <a:t>i</a:t>
+            </a:r>
+            <a:r>
+              <a:rPr lang="en-US" dirty="0"/>
+              <a:t> </a:t>
+            </a:r>
+            <a:r>
+              <a:rPr lang="en-US" dirty="0" err="1"/>
+              <a:t>vozača</a:t>
+            </a:r>
+            <a:r>
+              <a:rPr lang="en-US" dirty="0"/>
+              <a:t> </a:t>
+            </a:r>
+            <a:r>
+              <a:rPr lang="en-US" dirty="0" err="1"/>
               <a:t>kojima</a:t>
             </a:r>
             <a:r>
-              <a:rPr dirty="0"/>
+              <a:rPr lang="en-US" dirty="0"/>
               <a:t> je </a:t>
             </a:r>
             <a:r>
-              <a:rPr dirty="0" err="1"/>
+              <a:rPr lang="en-US" dirty="0" err="1"/>
               <a:t>potreban</a:t>
             </a:r>
             <a:r>
-              <a:rPr dirty="0"/>
-              <a:t> parking </a:t>
-            </a:r>
-            <a:r>
-              <a:rPr dirty="0" err="1"/>
+              <a:rPr lang="en-US" dirty="0"/>
+              <a:t> </a:t>
+            </a:r>
+            <a:r>
+              <a:rPr lang="en-US" dirty="0" err="1"/>
               <a:t>prostor</a:t>
             </a:r>
             <a:r>
-              <a:rPr dirty="0"/>
+              <a:rPr lang="en-US" dirty="0"/>
               <a:t>.</a:t>
             </a:r>
-            <a:endParaRPr lang="en-US" dirty="0"/>
           </a:p>
           <a:p>
             <a:pPr marL="0" indent="0">
@@ -26040,100 +26400,94 @@
             <a:endParaRPr lang="en-US" b="1" dirty="0"/>
           </a:p>
           <a:p>
-            <a:pPr marL="0" lvl="1" indent="0">
-              <a:buFont typeface="Arial" panose="020B0604020202020204" pitchFamily="34" charset="0"/>
-              <a:buNone/>
-            </a:pPr>
-            <a:r>
-              <a:rPr dirty="0" err="1"/>
-              <a:t>Omogućena</a:t>
-            </a:r>
-            <a:r>
-              <a:rPr dirty="0"/>
-              <a:t> je </a:t>
-            </a:r>
-            <a:r>
-              <a:rPr dirty="0" err="1"/>
-              <a:t>rezervacija</a:t>
-            </a:r>
-            <a:r>
-              <a:rPr dirty="0"/>
+            <a:pPr marL="0" lvl="1"/>
+            <a:r>
+              <a:rPr lang="en-US" dirty="0" err="1"/>
+              <a:t>Korisnici</a:t>
+            </a:r>
+            <a:r>
+              <a:rPr lang="en-US" dirty="0"/>
+              <a:t> </a:t>
+            </a:r>
+            <a:r>
+              <a:rPr lang="en-US" dirty="0" err="1"/>
+              <a:t>mogu</a:t>
+            </a:r>
+            <a:r>
+              <a:rPr lang="en-US" dirty="0"/>
+              <a:t> </a:t>
+            </a:r>
+            <a:r>
+              <a:rPr lang="en-US" dirty="0" err="1"/>
+              <a:t>rezervisati</a:t>
+            </a:r>
+            <a:r>
+              <a:rPr lang="en-US" dirty="0"/>
               <a:t> parking </a:t>
             </a:r>
             <a:r>
-              <a:rPr dirty="0" err="1"/>
-              <a:t>mjesta</a:t>
-            </a:r>
-            <a:r>
-              <a:rPr dirty="0"/>
+              <a:rPr lang="en-US" dirty="0" err="1"/>
+              <a:t>unaprijed</a:t>
+            </a:r>
+            <a:r>
+              <a:rPr lang="en-US" dirty="0"/>
               <a:t> </a:t>
             </a:r>
             <a:r>
-              <a:rPr dirty="0" err="1"/>
-              <a:t>unaprijed</a:t>
-            </a:r>
-            <a:r>
-              <a:rPr dirty="0"/>
+              <a:rPr lang="en-US" dirty="0" err="1"/>
+              <a:t>ili</a:t>
+            </a:r>
+            <a:r>
+              <a:rPr lang="en-US" dirty="0"/>
+              <a:t> u </a:t>
+            </a:r>
+            <a:r>
+              <a:rPr lang="en-US" dirty="0" err="1"/>
+              <a:t>realnom</a:t>
+            </a:r>
+            <a:r>
+              <a:rPr lang="en-US" dirty="0"/>
               <a:t> </a:t>
             </a:r>
             <a:r>
-              <a:rPr dirty="0" err="1"/>
-              <a:t>ili</a:t>
-            </a:r>
-            <a:r>
-              <a:rPr dirty="0"/>
-              <a:t> u </a:t>
-            </a:r>
-            <a:r>
-              <a:rPr dirty="0" err="1"/>
-              <a:t>realnom</a:t>
-            </a:r>
-            <a:r>
-              <a:rPr dirty="0"/>
+              <a:rPr lang="en-US" dirty="0" err="1"/>
+              <a:t>vremenu</a:t>
+            </a:r>
+            <a:r>
+              <a:rPr lang="en-US" dirty="0"/>
               <a:t> </a:t>
             </a:r>
             <a:r>
-              <a:rPr dirty="0" err="1"/>
-              <a:t>vremenu</a:t>
-            </a:r>
-            <a:r>
-              <a:rPr dirty="0"/>
+              <a:rPr lang="en-US" dirty="0" err="1"/>
+              <a:t>putem</a:t>
+            </a:r>
+            <a:r>
+              <a:rPr lang="en-US" dirty="0"/>
               <a:t> </a:t>
             </a:r>
             <a:r>
-              <a:rPr dirty="0" err="1"/>
-              <a:t>putem</a:t>
-            </a:r>
-            <a:r>
-              <a:rPr dirty="0"/>
+              <a:rPr lang="en-US" dirty="0" err="1"/>
+              <a:t>jednostavnog</a:t>
+            </a:r>
+            <a:r>
+              <a:rPr lang="en-US" dirty="0"/>
               <a:t> </a:t>
             </a:r>
             <a:r>
-              <a:rPr dirty="0" err="1"/>
-              <a:t>jednostavnog</a:t>
-            </a:r>
-            <a:r>
-              <a:rPr dirty="0"/>
-              <a:t> </a:t>
-            </a:r>
-            <a:r>
-              <a:rPr dirty="0" err="1"/>
-              <a:t>sučelja</a:t>
-            </a:r>
-            <a:r>
-              <a:rPr dirty="0"/>
+              <a:rPr lang="en-US" dirty="0" err="1"/>
+              <a:t>interfejsa</a:t>
+            </a:r>
+            <a:r>
+              <a:rPr lang="en-US" dirty="0"/>
               <a:t>.</a:t>
             </a:r>
-            <a:endParaRPr lang="en-US" dirty="0"/>
-          </a:p>
-          <a:p>
-            <a:pPr marL="0" indent="0">
-              <a:spcBef>
-                <a:spcPts val="2500"/>
-              </a:spcBef>
-              <a:buFont typeface="Arial" panose="020B0604020202020204" pitchFamily="34" charset="0"/>
-              <a:buNone/>
-            </a:pPr>
+          </a:p>
+          <a:p>
+            <a:pPr marL="0" lvl="1"/>
+            <a:endParaRPr lang="en-US" b="1" dirty="0"/>
+          </a:p>
+          <a:p>
+            <a:pPr marL="0" lvl="1"/>
             <a:r>
               <a:rPr lang="en-US" b="1" dirty="0" err="1"/>
               <a:t>Maksimalna</a:t>
@@ -26157,83 +26511,79 @@
             <a:endParaRPr lang="en-US" b="1" dirty="0"/>
           </a:p>
           <a:p>
-            <a:pPr marL="0" lvl="1" indent="0">
-              <a:buFont typeface="Arial" panose="020B0604020202020204" pitchFamily="34" charset="0"/>
-              <a:buNone/>
-            </a:pPr>
-            <a:r>
-              <a:rPr dirty="0" err="1"/>
-              <a:t>Platforma</a:t>
-            </a:r>
-            <a:r>
-              <a:rPr dirty="0"/>
+            <a:pPr marL="0" lvl="1"/>
+            <a:r>
+              <a:rPr lang="en-US" dirty="0" err="1"/>
+              <a:t>Privatna</a:t>
+            </a:r>
+            <a:r>
+              <a:rPr lang="en-US" dirty="0"/>
               <a:t> </a:t>
             </a:r>
             <a:r>
-              <a:rPr dirty="0" err="1"/>
-              <a:t>pomaže</a:t>
-            </a:r>
-            <a:r>
-              <a:rPr dirty="0"/>
-              <a:t> u </a:t>
-            </a:r>
-            <a:r>
-              <a:rPr dirty="0" err="1"/>
-              <a:t>maksimalnom</a:t>
-            </a:r>
-            <a:r>
-              <a:rPr dirty="0"/>
+              <a:rPr lang="en-US" dirty="0" err="1"/>
+              <a:t>mjesta</a:t>
+            </a:r>
+            <a:r>
+              <a:rPr lang="en-US" dirty="0"/>
+              <a:t> se </a:t>
+            </a:r>
+            <a:r>
+              <a:rPr lang="en-US" dirty="0" err="1"/>
+              <a:t>efikasnije</a:t>
+            </a:r>
+            <a:r>
+              <a:rPr lang="en-US" dirty="0"/>
               <a:t> </a:t>
             </a:r>
             <a:r>
-              <a:rPr dirty="0" err="1"/>
-              <a:t>iskorištenju</a:t>
-            </a:r>
-            <a:r>
-              <a:rPr dirty="0"/>
+              <a:rPr lang="en-US" dirty="0" err="1"/>
+              <a:t>koriste</a:t>
+            </a:r>
+            <a:r>
+              <a:rPr lang="en-US" dirty="0"/>
+              <a:t>, </a:t>
+            </a:r>
+            <a:r>
+              <a:rPr lang="en-US" dirty="0" err="1"/>
+              <a:t>smanjujući</a:t>
+            </a:r>
+            <a:r>
+              <a:rPr lang="en-US" dirty="0"/>
               <a:t> </a:t>
             </a:r>
             <a:r>
-              <a:rPr dirty="0" err="1"/>
-              <a:t>slobodnih</a:t>
-            </a:r>
-            <a:r>
-              <a:rPr dirty="0"/>
-              <a:t> parking </a:t>
-            </a:r>
-            <a:r>
-              <a:rPr dirty="0" err="1"/>
-              <a:t>mjesta</a:t>
-            </a:r>
-            <a:r>
-              <a:rPr dirty="0"/>
-              <a:t>, </a:t>
-            </a:r>
-            <a:r>
-              <a:rPr dirty="0" err="1"/>
-              <a:t>smanjujući</a:t>
-            </a:r>
-            <a:r>
-              <a:rPr dirty="0"/>
+              <a:rPr lang="en-US" dirty="0" err="1"/>
+              <a:t>gužve</a:t>
+            </a:r>
+            <a:r>
+              <a:rPr lang="en-US" dirty="0"/>
               <a:t> </a:t>
             </a:r>
             <a:r>
-              <a:rPr dirty="0" err="1"/>
-              <a:t>prometne</a:t>
-            </a:r>
-            <a:r>
-              <a:rPr dirty="0"/>
+              <a:rPr lang="en-US" dirty="0" err="1"/>
+              <a:t>i</a:t>
+            </a:r>
+            <a:r>
+              <a:rPr lang="en-US" dirty="0"/>
               <a:t> </a:t>
             </a:r>
             <a:r>
-              <a:rPr dirty="0" err="1"/>
-              <a:t>gužve</a:t>
-            </a:r>
-            <a:r>
-              <a:rPr dirty="0"/>
+              <a:rPr lang="en-US" dirty="0" err="1"/>
+              <a:t>traženje</a:t>
+            </a:r>
+            <a:r>
+              <a:rPr lang="en-US" dirty="0"/>
+              <a:t> </a:t>
+            </a:r>
+            <a:r>
+              <a:rPr lang="en-US" dirty="0" err="1"/>
+              <a:t>parkinga</a:t>
+            </a:r>
+            <a:r>
+              <a:rPr lang="en-US" dirty="0"/>
               <a:t>.</a:t>
             </a:r>
-            <a:endParaRPr lang="en-US" dirty="0"/>
           </a:p>
         </p:txBody>
       </p:sp>
@@ -26380,8 +26730,8 @@
         </p:nvSpPr>
         <p:spPr>
           <a:xfrm>
-            <a:off x="8212664" y="687787"/>
-            <a:ext cx="3363259" cy="1993392"/>
+            <a:off x="5191026" y="685807"/>
+            <a:ext cx="6391374" cy="1372001"/>
           </a:xfrm>
         </p:spPr>
         <p:txBody>
@@ -26391,8 +26741,28 @@
           <a:lstStyle/>
           <a:p>
             <a:r>
-              <a:rPr lang="en-US" sz="2200"/>
-              <a:t>Tržište i potencijal: Fokus na Novi Sad, ciljni korisnici (studenti, zaposleni, turisti), planovi za širenje</a:t>
+              <a:rPr lang="en-US" sz="2600" dirty="0" err="1"/>
+              <a:t>Tržište</a:t>
+            </a:r>
+            <a:r>
+              <a:rPr lang="en-US" sz="2600" dirty="0"/>
+              <a:t> </a:t>
+            </a:r>
+            <a:r>
+              <a:rPr lang="en-US" sz="2600" dirty="0" err="1"/>
+              <a:t>i</a:t>
+            </a:r>
+            <a:r>
+              <a:rPr lang="en-US" sz="2600" dirty="0"/>
+              <a:t> </a:t>
+            </a:r>
+            <a:r>
+              <a:rPr lang="en-US" sz="2600" dirty="0" err="1"/>
+              <a:t>potencijal</a:t>
+            </a:r>
+            <a:r>
+              <a:rPr lang="en-US" sz="2600" dirty="0"/>
+              <a:t>:</a:t>
             </a:r>
           </a:p>
         </p:txBody>
@@ -26415,15 +26785,15 @@
         </p:nvPicPr>
         <p:blipFill>
           <a:blip r:embed="rId3"/>
-          <a:srcRect l="28867" r="11969" b="1"/>
+          <a:srcRect l="40661" r="23763" b="1"/>
           <a:stretch>
             <a:fillRect/>
           </a:stretch>
         </p:blipFill>
         <p:spPr>
           <a:xfrm>
-            <a:off x="20" y="10"/>
-            <a:ext cx="7584124" cy="6857990"/>
+            <a:off x="20" y="1"/>
+            <a:ext cx="4560434" cy="6858000"/>
           </a:xfrm>
           <a:prstGeom prst="rect">
             <a:avLst/>
@@ -26459,8 +26829,8 @@
         </p:nvSpPr>
         <p:spPr>
           <a:xfrm>
-            <a:off x="8212791" y="2880360"/>
-            <a:ext cx="3363259" cy="3274612"/>
+            <a:off x="5180729" y="2743204"/>
+            <a:ext cx="6395573" cy="3428989"/>
           </a:xfrm>
         </p:spPr>
         <p:txBody>
@@ -26470,9 +26840,6 @@
           <a:lstStyle/>
           <a:p>
             <a:pPr marL="0" indent="0">
-              <a:lnSpc>
-                <a:spcPct val="90000"/>
-              </a:lnSpc>
               <a:spcBef>
                 <a:spcPts val="2500"/>
               </a:spcBef>
@@ -26480,80 +26847,282 @@
               <a:buNone/>
             </a:pPr>
             <a:r>
-              <a:rPr lang="en-US" b="1"/>
-              <a:t>Fokus na Novi Sad</a:t>
-            </a:r>
-          </a:p>
-          <a:p>
-            <a:pPr marL="0" lvl="1" indent="0">
-              <a:lnSpc>
-                <a:spcPct val="90000"/>
-              </a:lnSpc>
-              <a:buFont typeface="Arial" panose="020B0604020202020204" pitchFamily="34" charset="0"/>
-              <a:buNone/>
-            </a:pPr>
-            <a:r>
-              <a:t>Novi Sad je početna ciljna lokacija zbog svoje urbane dinamike i raznolikih korisničkih skupina.</a:t>
-            </a:r>
-            <a:endParaRPr lang="en-US"/>
-          </a:p>
-          <a:p>
-            <a:pPr marL="0" indent="0">
-              <a:lnSpc>
-                <a:spcPct val="90000"/>
-              </a:lnSpc>
-              <a:spcBef>
-                <a:spcPts val="2500"/>
-              </a:spcBef>
-              <a:buFont typeface="Arial" panose="020B0604020202020204" pitchFamily="34" charset="0"/>
-              <a:buNone/>
-            </a:pPr>
-            <a:r>
-              <a:rPr lang="en-US" b="1"/>
-              <a:t>Ciljne skupine korisnika</a:t>
-            </a:r>
-          </a:p>
-          <a:p>
-            <a:pPr marL="0" lvl="1" indent="0">
-              <a:lnSpc>
-                <a:spcPct val="90000"/>
-              </a:lnSpc>
-              <a:buFont typeface="Arial" panose="020B0604020202020204" pitchFamily="34" charset="0"/>
-              <a:buNone/>
-            </a:pPr>
-            <a:r>
-              <a:t>Studenti, zaposleni i turisti predstavljaju glavne korisničke skupine za prilagođene usluge i ponude.</a:t>
-            </a:r>
-            <a:endParaRPr lang="en-US"/>
-          </a:p>
-          <a:p>
-            <a:pPr marL="0" indent="0">
-              <a:lnSpc>
-                <a:spcPct val="90000"/>
-              </a:lnSpc>
-              <a:spcBef>
-                <a:spcPts val="2500"/>
-              </a:spcBef>
-              <a:buFont typeface="Arial" panose="020B0604020202020204" pitchFamily="34" charset="0"/>
-              <a:buNone/>
-            </a:pPr>
-            <a:r>
-              <a:rPr lang="en-US" b="1"/>
-              <a:t>Planovi za širenje</a:t>
-            </a:r>
-          </a:p>
-          <a:p>
-            <a:pPr marL="0" lvl="1" indent="0">
-              <a:lnSpc>
-                <a:spcPct val="90000"/>
-              </a:lnSpc>
-              <a:buFont typeface="Arial" panose="020B0604020202020204" pitchFamily="34" charset="0"/>
-              <a:buNone/>
-            </a:pPr>
-            <a:r>
-              <a:t>Platforma će se proširiti na druge urbane sredine, prilagođavajući se lokalnim potrebama i trendovima.</a:t>
-            </a:r>
-            <a:endParaRPr lang="en-US"/>
+              <a:rPr lang="en-US" b="1" dirty="0" err="1"/>
+              <a:t>Fokus</a:t>
+            </a:r>
+            <a:r>
+              <a:rPr lang="en-US" b="1" dirty="0"/>
+              <a:t> </a:t>
+            </a:r>
+            <a:r>
+              <a:rPr lang="en-US" b="1" dirty="0" err="1"/>
+              <a:t>na</a:t>
+            </a:r>
+            <a:r>
+              <a:rPr lang="en-US" b="1" dirty="0"/>
+              <a:t> Novi Sad</a:t>
+            </a:r>
+          </a:p>
+          <a:p>
+            <a:pPr marL="0" lvl="1"/>
+            <a:r>
+              <a:rPr lang="en-US" dirty="0"/>
+              <a:t>Pilot grad </a:t>
+            </a:r>
+            <a:r>
+              <a:rPr lang="en-US" dirty="0" err="1"/>
+              <a:t>sa</a:t>
+            </a:r>
+            <a:r>
+              <a:rPr lang="en-US" dirty="0"/>
+              <a:t> </a:t>
+            </a:r>
+            <a:r>
+              <a:rPr lang="en-US" dirty="0" err="1"/>
+              <a:t>izraženim</a:t>
+            </a:r>
+            <a:r>
+              <a:rPr lang="en-US" dirty="0"/>
+              <a:t> </a:t>
+            </a:r>
+            <a:r>
+              <a:rPr lang="en-US" dirty="0" err="1"/>
+              <a:t>problemom</a:t>
+            </a:r>
+            <a:r>
+              <a:rPr lang="en-US" dirty="0"/>
+              <a:t> </a:t>
+            </a:r>
+            <a:r>
+              <a:rPr lang="en-US" dirty="0" err="1"/>
+              <a:t>nedostatka</a:t>
+            </a:r>
+            <a:r>
+              <a:rPr lang="en-US" dirty="0"/>
+              <a:t> </a:t>
+            </a:r>
+            <a:r>
+              <a:rPr lang="en-US" dirty="0" err="1"/>
+              <a:t>parkinga</a:t>
+            </a:r>
+            <a:r>
+              <a:rPr lang="en-US" dirty="0"/>
+              <a:t> </a:t>
+            </a:r>
+            <a:r>
+              <a:rPr lang="en-US" dirty="0" err="1"/>
+              <a:t>i</a:t>
+            </a:r>
+            <a:r>
+              <a:rPr lang="en-US" dirty="0"/>
+              <a:t> </a:t>
+            </a:r>
+            <a:r>
+              <a:rPr lang="en-US" dirty="0" err="1"/>
+              <a:t>raznolikim</a:t>
+            </a:r>
+            <a:r>
+              <a:rPr lang="en-US" dirty="0"/>
+              <a:t> </a:t>
+            </a:r>
+            <a:r>
+              <a:rPr lang="en-US" dirty="0" err="1"/>
+              <a:t>korisničkim</a:t>
+            </a:r>
+            <a:r>
+              <a:rPr lang="en-US" dirty="0"/>
+              <a:t> </a:t>
+            </a:r>
+            <a:r>
+              <a:rPr lang="en-US" dirty="0" err="1"/>
+              <a:t>grupama</a:t>
+            </a:r>
+            <a:r>
+              <a:rPr lang="en-US" dirty="0"/>
+              <a:t>.</a:t>
+            </a:r>
+          </a:p>
+          <a:p>
+            <a:pPr marL="0" lvl="1"/>
+            <a:endParaRPr lang="en-US" b="1" dirty="0"/>
+          </a:p>
+          <a:p>
+            <a:pPr marL="0" lvl="1"/>
+            <a:r>
+              <a:rPr lang="en-US" b="1" dirty="0" err="1"/>
+              <a:t>Ciljne</a:t>
+            </a:r>
+            <a:r>
+              <a:rPr lang="en-US" b="1" dirty="0"/>
+              <a:t> </a:t>
+            </a:r>
+            <a:r>
+              <a:rPr lang="en-US" b="1" dirty="0" err="1"/>
+              <a:t>grupe</a:t>
+            </a:r>
+            <a:endParaRPr lang="en-US" b="1" dirty="0"/>
+          </a:p>
+          <a:p>
+            <a:pPr marL="0" lvl="1"/>
+            <a:r>
+              <a:rPr lang="en-US" dirty="0" err="1"/>
+              <a:t>Studenti</a:t>
+            </a:r>
+            <a:r>
+              <a:rPr lang="en-US" dirty="0"/>
+              <a:t>, </a:t>
+            </a:r>
+            <a:r>
+              <a:rPr lang="en-US" dirty="0" err="1"/>
+              <a:t>zaposleni</a:t>
+            </a:r>
+            <a:r>
+              <a:rPr lang="en-US" dirty="0"/>
+              <a:t> </a:t>
+            </a:r>
+            <a:r>
+              <a:rPr lang="en-US" dirty="0" err="1"/>
+              <a:t>i</a:t>
+            </a:r>
+            <a:r>
+              <a:rPr lang="en-US" dirty="0"/>
+              <a:t> </a:t>
+            </a:r>
+            <a:r>
+              <a:rPr lang="en-US" dirty="0" err="1"/>
+              <a:t>turisti</a:t>
+            </a:r>
+            <a:r>
+              <a:rPr lang="en-US" dirty="0"/>
+              <a:t> </a:t>
+            </a:r>
+            <a:r>
+              <a:rPr lang="en-US" dirty="0" err="1"/>
+              <a:t>kao</a:t>
+            </a:r>
+            <a:r>
+              <a:rPr lang="en-US" dirty="0"/>
+              <a:t> </a:t>
+            </a:r>
+            <a:r>
+              <a:rPr lang="en-US" dirty="0" err="1"/>
+              <a:t>glavni</a:t>
+            </a:r>
+            <a:r>
+              <a:rPr lang="en-US" dirty="0"/>
+              <a:t> </a:t>
+            </a:r>
+            <a:r>
+              <a:rPr lang="en-US" dirty="0" err="1"/>
+              <a:t>korisnici</a:t>
+            </a:r>
+            <a:r>
+              <a:rPr lang="en-US" dirty="0"/>
+              <a:t> </a:t>
+            </a:r>
+            <a:r>
+              <a:rPr lang="en-US" dirty="0" err="1"/>
+              <a:t>platforme</a:t>
+            </a:r>
+            <a:r>
+              <a:rPr lang="en-US" dirty="0"/>
+              <a:t>.</a:t>
+            </a:r>
+          </a:p>
+          <a:p>
+            <a:pPr marL="0" lvl="1"/>
+            <a:endParaRPr lang="en-US" b="1" dirty="0"/>
+          </a:p>
+          <a:p>
+            <a:pPr marL="0" lvl="1"/>
+            <a:r>
+              <a:rPr lang="en-US" b="1" dirty="0" err="1"/>
+              <a:t>Planovi</a:t>
+            </a:r>
+            <a:r>
+              <a:rPr lang="en-US" b="1" dirty="0"/>
+              <a:t> za </a:t>
+            </a:r>
+            <a:r>
+              <a:rPr lang="en-US" b="1" dirty="0" err="1"/>
+              <a:t>širenje</a:t>
+            </a:r>
+            <a:endParaRPr lang="en-US" b="1" dirty="0"/>
+          </a:p>
+          <a:p>
+            <a:pPr marL="0" lvl="1"/>
+            <a:r>
+              <a:rPr lang="en-US" dirty="0" err="1"/>
+              <a:t>Postepena</a:t>
+            </a:r>
+            <a:r>
+              <a:rPr lang="en-US" dirty="0"/>
+              <a:t> </a:t>
+            </a:r>
+            <a:r>
+              <a:rPr lang="en-US" dirty="0" err="1"/>
+              <a:t>ekspanzija</a:t>
+            </a:r>
+            <a:r>
+              <a:rPr lang="en-US" dirty="0"/>
+              <a:t> </a:t>
+            </a:r>
+            <a:r>
+              <a:rPr lang="en-US" dirty="0" err="1"/>
+              <a:t>na</a:t>
+            </a:r>
+            <a:r>
+              <a:rPr lang="en-US" dirty="0"/>
+              <a:t> </a:t>
+            </a:r>
+            <a:r>
+              <a:rPr lang="en-US" dirty="0" err="1"/>
+              <a:t>druge</a:t>
+            </a:r>
+            <a:r>
+              <a:rPr lang="en-US" dirty="0"/>
+              <a:t> urbane </a:t>
+            </a:r>
+            <a:r>
+              <a:rPr lang="en-US" dirty="0" err="1"/>
+              <a:t>sredine</a:t>
+            </a:r>
+            <a:r>
+              <a:rPr lang="en-US" dirty="0"/>
+              <a:t>, </a:t>
+            </a:r>
+            <a:r>
+              <a:rPr lang="en-US" dirty="0" err="1"/>
+              <a:t>uz</a:t>
+            </a:r>
+            <a:r>
+              <a:rPr lang="en-US" dirty="0"/>
+              <a:t> </a:t>
+            </a:r>
+            <a:r>
+              <a:rPr lang="en-US" dirty="0" err="1"/>
+              <a:t>prilagođavanje</a:t>
+            </a:r>
+            <a:r>
+              <a:rPr lang="en-US" dirty="0"/>
+              <a:t> </a:t>
+            </a:r>
+            <a:r>
+              <a:rPr lang="en-US" dirty="0" err="1"/>
+              <a:t>lokalnim</a:t>
+            </a:r>
+            <a:r>
+              <a:rPr lang="en-US" dirty="0"/>
+              <a:t> </a:t>
+            </a:r>
+            <a:r>
+              <a:rPr lang="en-US" dirty="0" err="1"/>
+              <a:t>potrebama</a:t>
+            </a:r>
+            <a:r>
+              <a:rPr lang="en-US" dirty="0"/>
+              <a:t>.</a:t>
+            </a:r>
           </a:p>
         </p:txBody>
       </p:sp>
@@ -26700,8 +27269,8 @@
         </p:nvSpPr>
         <p:spPr>
           <a:xfrm>
-            <a:off x="7010400" y="685800"/>
-            <a:ext cx="4561665" cy="1371264"/>
+            <a:off x="5191026" y="685807"/>
+            <a:ext cx="6391374" cy="1372001"/>
           </a:xfrm>
         </p:spPr>
         <p:txBody>
@@ -26716,53 +27285,8 @@
             </a:r>
             <a:r>
               <a:rPr lang="en-US" sz="2600" dirty="0"/>
-              <a:t> model: </a:t>
-            </a:r>
-            <a:r>
-              <a:rPr lang="en-US" sz="2600" dirty="0" err="1"/>
-              <a:t>Prihodi</a:t>
-            </a:r>
-            <a:r>
-              <a:rPr lang="en-US" sz="2600" dirty="0"/>
-              <a:t> od </a:t>
-            </a:r>
-            <a:r>
-              <a:rPr lang="en-US" sz="2600" dirty="0" err="1"/>
-              <a:t>provizije</a:t>
-            </a:r>
-            <a:r>
-              <a:rPr lang="en-US" sz="2600" dirty="0"/>
-              <a:t>, premium </a:t>
-            </a:r>
-            <a:r>
-              <a:rPr lang="en-US" sz="2600" dirty="0" err="1"/>
-              <a:t>opcije</a:t>
-            </a:r>
-            <a:r>
-              <a:rPr lang="en-US" sz="2600" dirty="0"/>
-              <a:t>, </a:t>
-            </a:r>
-            <a:r>
-              <a:rPr lang="en-US" sz="2600" dirty="0" err="1"/>
-              <a:t>dodatne</a:t>
-            </a:r>
-            <a:r>
-              <a:rPr lang="en-US" sz="2600" dirty="0"/>
-              <a:t> </a:t>
-            </a:r>
-            <a:r>
-              <a:rPr lang="en-US" sz="2600" dirty="0" err="1"/>
-              <a:t>pogodnosti</a:t>
-            </a:r>
-            <a:r>
-              <a:rPr lang="en-US" sz="2600" dirty="0"/>
-              <a:t> za </a:t>
-            </a:r>
-            <a:r>
-              <a:rPr lang="en-US" sz="2600" dirty="0" err="1"/>
-              <a:t>vlasnike</a:t>
-            </a:r>
-            <a:endParaRPr lang="en-US" sz="2600" dirty="0"/>
+              <a:t> model</a:t>
+            </a:r>
           </a:p>
         </p:txBody>
       </p:sp>
@@ -26779,20 +27303,20 @@
             <a:picLocks noGrp="1" noChangeAspect="1"/>
           </p:cNvPicPr>
           <p:nvPr>
-            <p:ph type="pic" sz="quarter" idx="15"/>
+            <p:ph type="pic" sz="quarter" idx="13"/>
           </p:nvPr>
         </p:nvPicPr>
         <p:blipFill>
           <a:blip r:embed="rId3"/>
-          <a:srcRect l="18016" r="19784" b="-1"/>
+          <a:srcRect l="22562" r="33050" b="-2"/>
           <a:stretch>
             <a:fillRect/>
           </a:stretch>
         </p:blipFill>
         <p:spPr>
           <a:xfrm>
-            <a:off x="1" y="10"/>
-            <a:ext cx="6390464" cy="6857990"/>
+            <a:off x="20" y="1"/>
+            <a:ext cx="4560434" cy="6858000"/>
           </a:xfrm>
           <a:prstGeom prst="rect">
             <a:avLst/>
@@ -26828,8 +27352,8 @@
         </p:nvSpPr>
         <p:spPr>
           <a:xfrm>
-            <a:off x="7020736" y="2286000"/>
-            <a:ext cx="4561665" cy="3886200"/>
+            <a:off x="5180729" y="2743204"/>
+            <a:ext cx="6395573" cy="3428989"/>
           </a:xfrm>
         </p:spPr>
         <p:txBody>
@@ -26860,108 +27384,102 @@
             <a:endParaRPr lang="en-US" b="1" dirty="0"/>
           </a:p>
           <a:p>
-            <a:pPr marL="0" lvl="1" indent="0">
-              <a:buFont typeface="Arial" panose="020B0604020202020204" pitchFamily="34" charset="0"/>
-              <a:buNone/>
-            </a:pPr>
-            <a:r>
-              <a:rPr dirty="0" err="1"/>
-              <a:t>Platforma</a:t>
-            </a:r>
-            <a:r>
-              <a:rPr dirty="0"/>
+            <a:pPr marL="0" lvl="1"/>
+            <a:r>
+              <a:rPr lang="en-US" dirty="0" err="1"/>
+              <a:t>ParkSmart</a:t>
+            </a:r>
+            <a:r>
+              <a:rPr lang="en-US" dirty="0"/>
               <a:t> </a:t>
             </a:r>
             <a:r>
-              <a:rPr dirty="0" err="1"/>
-              <a:t>zarađuje</a:t>
-            </a:r>
-            <a:r>
-              <a:rPr dirty="0"/>
+              <a:rPr lang="en-US" dirty="0" err="1"/>
+              <a:t>uzima</a:t>
+            </a:r>
+            <a:r>
+              <a:rPr lang="en-US" dirty="0"/>
               <a:t> </a:t>
             </a:r>
             <a:r>
-              <a:rPr dirty="0" err="1"/>
+              <a:rPr lang="en-US" dirty="0" err="1"/>
               <a:t>proviziju</a:t>
             </a:r>
             <a:r>
-              <a:rPr dirty="0"/>
+              <a:rPr lang="en-US" dirty="0"/>
               <a:t> od </a:t>
             </a:r>
             <a:r>
-              <a:rPr dirty="0" err="1"/>
+              <a:rPr lang="en-US" dirty="0" err="1"/>
               <a:t>svake</a:t>
             </a:r>
             <a:r>
-              <a:rPr dirty="0"/>
+              <a:rPr lang="en-US" dirty="0"/>
               <a:t> </a:t>
             </a:r>
             <a:r>
-              <a:rPr dirty="0" err="1"/>
+              <a:rPr lang="en-US" dirty="0" err="1"/>
               <a:t>transakcije</a:t>
             </a:r>
             <a:r>
-              <a:rPr dirty="0"/>
-              <a:t>, </a:t>
-            </a:r>
-            <a:r>
-              <a:rPr dirty="0" err="1"/>
-              <a:t>osiguravajući</a:t>
-            </a:r>
-            <a:r>
-              <a:rPr dirty="0"/>
+              <a:rPr lang="en-US" dirty="0"/>
+              <a:t> (10-15%), </a:t>
+            </a:r>
+            <a:r>
+              <a:rPr lang="en-US" dirty="0" err="1"/>
+              <a:t>što</a:t>
+            </a:r>
+            <a:r>
+              <a:rPr lang="en-US" dirty="0"/>
               <a:t> </a:t>
             </a:r>
             <a:r>
-              <a:rPr dirty="0" err="1"/>
-              <a:t>stalan</a:t>
-            </a:r>
-            <a:r>
-              <a:rPr dirty="0"/>
+              <a:rPr lang="en-US" dirty="0" err="1"/>
+              <a:t>obezbjeđuje</a:t>
+            </a:r>
+            <a:r>
+              <a:rPr lang="en-US" dirty="0"/>
               <a:t> </a:t>
             </a:r>
             <a:r>
-              <a:rPr dirty="0" err="1"/>
+              <a:rPr lang="en-US" dirty="0" err="1"/>
+              <a:t>stabilan</a:t>
+            </a:r>
+            <a:r>
+              <a:rPr lang="en-US" dirty="0"/>
+              <a:t> </a:t>
+            </a:r>
+            <a:r>
+              <a:rPr lang="en-US" dirty="0" err="1"/>
               <a:t>prihod</a:t>
             </a:r>
             <a:r>
-              <a:rPr dirty="0"/>
+              <a:rPr lang="en-US" dirty="0"/>
               <a:t> </a:t>
             </a:r>
             <a:r>
-              <a:rPr dirty="0" err="1"/>
+              <a:rPr lang="en-US" dirty="0" err="1"/>
               <a:t>i</a:t>
             </a:r>
             <a:r>
-              <a:rPr dirty="0"/>
+              <a:rPr lang="en-US" dirty="0"/>
               <a:t> </a:t>
             </a:r>
             <a:r>
-              <a:rPr dirty="0" err="1"/>
+              <a:rPr lang="en-US" dirty="0" err="1"/>
               <a:t>održivost</a:t>
             </a:r>
             <a:r>
-              <a:rPr dirty="0"/>
-              <a:t> </a:t>
-            </a:r>
-            <a:r>
-              <a:rPr dirty="0" err="1"/>
-              <a:t>poslovanja</a:t>
-            </a:r>
-            <a:r>
-              <a:rPr dirty="0"/>
+              <a:rPr lang="en-US" dirty="0"/>
               <a:t>.</a:t>
             </a:r>
-            <a:endParaRPr lang="en-US" dirty="0"/>
-          </a:p>
-          <a:p>
-            <a:pPr marL="0" indent="0">
-              <a:spcBef>
-                <a:spcPts val="2500"/>
-              </a:spcBef>
-              <a:buFont typeface="Arial" panose="020B0604020202020204" pitchFamily="34" charset="0"/>
-              <a:buNone/>
-            </a:pPr>
+          </a:p>
+          <a:p>
+            <a:pPr marL="0" lvl="1"/>
+            <a:endParaRPr lang="en-US" b="1" dirty="0"/>
+          </a:p>
+          <a:p>
+            <a:pPr marL="0" lvl="1"/>
             <a:r>
               <a:rPr lang="en-US" b="1" dirty="0"/>
               <a:t>Premium </a:t>
@@ -26981,32 +27499,49 @@
             <a:endParaRPr lang="en-US" b="1" dirty="0"/>
           </a:p>
           <a:p>
-            <a:pPr marL="0" lvl="1" indent="0">
-              <a:buFont typeface="Arial" panose="020B0604020202020204" pitchFamily="34" charset="0"/>
-              <a:buNone/>
-            </a:pPr>
-            <a:r>
-              <a:rPr dirty="0"/>
-              <a:t>Nude se premium </a:t>
-            </a:r>
-            <a:r>
-              <a:rPr dirty="0" err="1"/>
-              <a:t>usluge</a:t>
-            </a:r>
-            <a:r>
-              <a:rPr dirty="0"/>
+            <a:pPr marL="0" lvl="1"/>
+            <a:r>
+              <a:rPr lang="en-US" dirty="0" err="1"/>
+              <a:t>Korisnicima</a:t>
+            </a:r>
+            <a:r>
+              <a:rPr lang="en-US" dirty="0"/>
+              <a:t> se nude </a:t>
+            </a:r>
+            <a:r>
+              <a:rPr lang="en-US" dirty="0" err="1"/>
+              <a:t>dodatne</a:t>
+            </a:r>
+            <a:r>
+              <a:rPr lang="en-US" dirty="0"/>
               <a:t> </a:t>
             </a:r>
             <a:r>
-              <a:rPr dirty="0" err="1"/>
+              <a:rPr lang="en-US" dirty="0" err="1"/>
+              <a:t>pogodnosti</a:t>
+            </a:r>
+            <a:r>
+              <a:rPr lang="en-US" dirty="0"/>
+              <a:t> </a:t>
+            </a:r>
+            <a:r>
+              <a:rPr lang="en-US" dirty="0" err="1"/>
               <a:t>poput</a:t>
             </a:r>
             <a:r>
-              <a:rPr dirty="0"/>
+              <a:rPr lang="en-US" dirty="0"/>
               <a:t> </a:t>
             </a:r>
             <a:r>
-              <a:rPr dirty="0" err="1"/>
+              <a:rPr lang="en-US" dirty="0" err="1"/>
+              <a:t>garantovane</a:t>
+            </a:r>
+            <a:r>
+              <a:rPr lang="en-US" dirty="0"/>
+              <a:t> </a:t>
+            </a:r>
+            <a:r>
+              <a:rPr lang="en-US" dirty="0" err="1"/>
               <a:t>rezervacije</a:t>
             </a:r>
             <a:r>
@@ -27018,7 +27553,7 @@
               <a:t>unaprijed</a:t>
             </a:r>
             <a:r>
-              <a:rPr dirty="0"/>
+              <a:rPr lang="en-US" dirty="0"/>
               <a:t> </a:t>
             </a:r>
             <a:r>
@@ -27030,55 +27565,36 @@
               <a:t> </a:t>
             </a:r>
             <a:r>
-              <a:rPr dirty="0" err="1"/>
-              <a:t>na</a:t>
-            </a:r>
-            <a:r>
-              <a:rPr dirty="0"/>
+              <a:rPr lang="en-US" dirty="0" err="1"/>
+              <a:t>dugoročnog</a:t>
+            </a:r>
+            <a:r>
+              <a:rPr lang="en-US" dirty="0"/>
               <a:t> </a:t>
             </a:r>
             <a:r>
-              <a:rPr dirty="0" err="1"/>
-              <a:t>zahtjev</a:t>
-            </a:r>
-            <a:r>
-              <a:rPr dirty="0"/>
-              <a:t> za </a:t>
-            </a:r>
-            <a:r>
-              <a:rPr dirty="0" err="1"/>
-              <a:t>dodatnu</a:t>
-            </a:r>
-            <a:r>
-              <a:rPr dirty="0"/>
-              <a:t> </a:t>
-            </a:r>
-            <a:r>
-              <a:rPr dirty="0" err="1"/>
-              <a:t>pogodnost</a:t>
-            </a:r>
-            <a:r>
-              <a:rPr dirty="0"/>
-              <a:t> </a:t>
-            </a:r>
-            <a:r>
-              <a:rPr dirty="0" err="1"/>
-              <a:t>korisnicima</a:t>
-            </a:r>
-            <a:r>
-              <a:rPr dirty="0"/>
+              <a:rPr lang="en-US" dirty="0" err="1"/>
+              <a:t>zakupa</a:t>
+            </a:r>
+            <a:r>
+              <a:rPr lang="en-US" dirty="0"/>
+              <a:t> parking </a:t>
+            </a:r>
+            <a:r>
+              <a:rPr lang="en-US" dirty="0" err="1"/>
+              <a:t>mjesta</a:t>
+            </a:r>
+            <a:r>
+              <a:rPr lang="en-US" dirty="0"/>
               <a:t>.</a:t>
             </a:r>
-            <a:endParaRPr lang="en-US" dirty="0"/>
-          </a:p>
-          <a:p>
-            <a:pPr marL="0" indent="0">
-              <a:spcBef>
-                <a:spcPts val="2500"/>
-              </a:spcBef>
-              <a:buFont typeface="Arial" panose="020B0604020202020204" pitchFamily="34" charset="0"/>
-              <a:buNone/>
-            </a:pPr>
+          </a:p>
+          <a:p>
+            <a:pPr marL="0" lvl="1"/>
+            <a:endParaRPr lang="en-US" b="1" dirty="0"/>
+          </a:p>
+          <a:p>
+            <a:pPr marL="0" lvl="1"/>
             <a:r>
               <a:rPr lang="en-US" b="1" dirty="0" err="1"/>
               <a:t>Pogodnosti</a:t>
@@ -27094,16 +27610,21 @@
             <a:endParaRPr lang="en-US" b="1" dirty="0"/>
           </a:p>
           <a:p>
-            <a:pPr marL="0" lvl="1" indent="0">
-              <a:buFont typeface="Arial" panose="020B0604020202020204" pitchFamily="34" charset="0"/>
-              <a:buNone/>
-            </a:pPr>
-            <a:r>
-              <a:rPr dirty="0" err="1"/>
-              <a:t>Dodatne</a:t>
-            </a:r>
-            <a:r>
-              <a:rPr dirty="0"/>
+            <a:pPr marL="0" lvl="1"/>
+            <a:r>
+              <a:rPr lang="en-US" dirty="0" err="1"/>
+              <a:t>Vlasnici</a:t>
+            </a:r>
+            <a:r>
+              <a:rPr lang="en-US" dirty="0"/>
+              <a:t> </a:t>
+            </a:r>
+            <a:r>
+              <a:rPr lang="en-US" dirty="0" err="1"/>
+              <a:t>dobijaju</a:t>
+            </a:r>
+            <a:r>
+              <a:rPr lang="en-US" dirty="0"/>
               <a:t> </a:t>
             </a:r>
             <a:r>
@@ -27111,82 +27632,65 @@
               <a:t>beneficije</a:t>
             </a:r>
             <a:r>
-              <a:rPr dirty="0"/>
-              <a:t> za </a:t>
-            </a:r>
-            <a:r>
-              <a:rPr dirty="0" err="1"/>
-              <a:t>vlasnike</a:t>
-            </a:r>
-            <a:r>
-              <a:rPr dirty="0"/>
+              <a:rPr lang="en-US" dirty="0"/>
+              <a:t> (</a:t>
+            </a:r>
+            <a:r>
+              <a:rPr lang="en-US" dirty="0" err="1"/>
+              <a:t>npr</a:t>
+            </a:r>
+            <a:r>
+              <a:rPr lang="en-US" dirty="0"/>
+              <a:t>. </a:t>
+            </a:r>
+            <a:r>
+              <a:rPr lang="en-US" dirty="0" err="1"/>
+              <a:t>sigurnosne</a:t>
+            </a:r>
+            <a:r>
+              <a:rPr lang="en-US" dirty="0"/>
               <a:t> </a:t>
             </a:r>
             <a:r>
-              <a:rPr dirty="0" err="1"/>
-              <a:t>parkirnih</a:t>
-            </a:r>
-            <a:r>
-              <a:rPr dirty="0"/>
+              <a:rPr lang="en-US" dirty="0" err="1"/>
+              <a:t>provjere</a:t>
+            </a:r>
+            <a:r>
+              <a:rPr lang="en-US" dirty="0"/>
+              <a:t>), </a:t>
+            </a:r>
+            <a:r>
+              <a:rPr lang="en-US" dirty="0" err="1"/>
+              <a:t>što</a:t>
+            </a:r>
+            <a:r>
+              <a:rPr lang="en-US" dirty="0"/>
               <a:t> </a:t>
             </a:r>
             <a:r>
-              <a:rPr dirty="0" err="1"/>
-              <a:t>mjesta</a:t>
-            </a:r>
-            <a:r>
-              <a:rPr dirty="0"/>
+              <a:rPr lang="en-US" dirty="0" err="1"/>
+              <a:t>podstiče</a:t>
+            </a:r>
+            <a:r>
+              <a:rPr lang="en-US" dirty="0"/>
               <a:t> </a:t>
             </a:r>
             <a:r>
-              <a:rPr dirty="0" err="1"/>
-              <a:t>potiču</a:t>
-            </a:r>
-            <a:r>
-              <a:rPr dirty="0"/>
+              <a:rPr lang="en-US" dirty="0" err="1"/>
+              <a:t>dugoročnu</a:t>
+            </a:r>
+            <a:r>
+              <a:rPr lang="en-US" dirty="0"/>
               <a:t> </a:t>
             </a:r>
             <a:r>
-              <a:rPr dirty="0" err="1"/>
-              <a:t>dugoročnu</a:t>
-            </a:r>
-            <a:r>
-              <a:rPr dirty="0"/>
-              <a:t> </a:t>
-            </a:r>
-            <a:r>
-              <a:rPr dirty="0" err="1"/>
-              <a:t>suradnju</a:t>
-            </a:r>
-            <a:r>
-              <a:rPr dirty="0"/>
-              <a:t> </a:t>
-            </a:r>
-            <a:r>
-              <a:rPr dirty="0" err="1"/>
-              <a:t>i</a:t>
-            </a:r>
-            <a:r>
-              <a:rPr dirty="0"/>
-              <a:t> </a:t>
-            </a:r>
-            <a:r>
-              <a:rPr dirty="0" err="1"/>
-              <a:t>kvalitetu</a:t>
-            </a:r>
-            <a:r>
-              <a:rPr dirty="0"/>
-              <a:t> </a:t>
-            </a:r>
-            <a:r>
-              <a:rPr dirty="0" err="1"/>
-              <a:t>usluge</a:t>
-            </a:r>
-            <a:r>
-              <a:rPr dirty="0"/>
+              <a:rPr lang="en-US" dirty="0" err="1"/>
+              <a:t>saradnju</a:t>
+            </a:r>
+            <a:r>
+              <a:rPr lang="en-US" dirty="0"/>
               <a:t>.</a:t>
             </a:r>
-            <a:endParaRPr lang="en-US" dirty="0"/>
           </a:p>
         </p:txBody>
       </p:sp>
@@ -27333,8 +27837,8 @@
         </p:nvSpPr>
         <p:spPr>
           <a:xfrm>
-            <a:off x="612647" y="685800"/>
-            <a:ext cx="6858000" cy="1111532"/>
+            <a:off x="612647" y="685804"/>
+            <a:ext cx="6391374" cy="1371996"/>
           </a:xfrm>
         </p:spPr>
         <p:txBody>
@@ -27344,9 +27848,22 @@
           <a:lstStyle/>
           <a:p>
             <a:r>
-              <a:rPr lang="en-US" sz="2600"/>
-              <a:t>Tim i resursi: Programeri, marketing, korisnička podrška, širenje tima</a:t>
-            </a:r>
+              <a:rPr lang="en-US"/>
+              <a:t>Tim </a:t>
+            </a:r>
+            <a:r>
+              <a:rPr lang="en-US" err="1"/>
+              <a:t>i</a:t>
+            </a:r>
+            <a:r>
+              <a:rPr lang="en-US"/>
+              <a:t> </a:t>
+            </a:r>
+            <a:r>
+              <a:rPr lang="en-US" err="1"/>
+              <a:t>resursi</a:t>
+            </a:r>
+            <a:endParaRPr lang="en-US"/>
           </a:p>
         </p:txBody>
       </p:sp>
@@ -27378,379 +27895,441 @@
         </p:nvSpPr>
         <p:spPr>
           <a:xfrm>
-            <a:off x="612647" y="1965960"/>
-            <a:ext cx="6858000" cy="4200198"/>
+            <a:off x="612773" y="2742645"/>
+            <a:ext cx="6391247" cy="3429551"/>
           </a:xfrm>
         </p:spPr>
         <p:txBody>
           <a:bodyPr>
-            <a:normAutofit/>
+            <a:normAutofit fontScale="92500"/>
           </a:bodyPr>
           <a:lstStyle/>
           <a:p>
-            <a:pPr marL="0" indent="0">
-              <a:spcBef>
-                <a:spcPts val="2500"/>
-              </a:spcBef>
-              <a:buFont typeface="Arial" panose="020B0604020202020204" pitchFamily="34" charset="0"/>
-              <a:buNone/>
+            <a:pPr>
+              <a:lnSpc>
+                <a:spcPct val="150000"/>
+              </a:lnSpc>
             </a:pPr>
             <a:r>
+              <a:rPr lang="en-US" b="1" dirty="0"/>
+              <a:t>CEO / Founder</a:t>
+            </a:r>
+            <a:r>
+              <a:rPr lang="en-US" dirty="0"/>
+              <a:t> – </a:t>
+            </a:r>
+            <a:r>
+              <a:rPr lang="en-US" dirty="0" err="1"/>
+              <a:t>vizija</a:t>
+            </a:r>
+            <a:r>
+              <a:rPr lang="en-US" dirty="0"/>
+              <a:t>, </a:t>
+            </a:r>
+            <a:r>
+              <a:rPr lang="en-US" dirty="0" err="1"/>
+              <a:t>strategija</a:t>
+            </a:r>
+            <a:r>
+              <a:rPr lang="en-US" dirty="0"/>
+              <a:t>, </a:t>
+            </a:r>
+            <a:r>
+              <a:rPr lang="en-US" dirty="0" err="1"/>
+              <a:t>partnerstva</a:t>
+            </a:r>
+            <a:r>
+              <a:rPr lang="en-US" dirty="0"/>
+              <a:t>, </a:t>
+            </a:r>
+            <a:r>
+              <a:rPr lang="en-US" dirty="0" err="1"/>
+              <a:t>investitori</a:t>
+            </a:r>
+            <a:r>
+              <a:rPr lang="en-US" dirty="0"/>
+              <a:t>.</a:t>
+            </a:r>
+          </a:p>
+          <a:p>
+            <a:pPr>
+              <a:lnSpc>
+                <a:spcPct val="150000"/>
+              </a:lnSpc>
+            </a:pPr>
+            <a:r>
+              <a:rPr lang="en-US" b="1" dirty="0"/>
+              <a:t>CTO</a:t>
+            </a:r>
+            <a:r>
+              <a:rPr lang="en-US" dirty="0"/>
+              <a:t> – </a:t>
+            </a:r>
+            <a:r>
+              <a:rPr lang="en-US" dirty="0" err="1"/>
+              <a:t>vodi</a:t>
+            </a:r>
+            <a:r>
+              <a:rPr lang="en-US" dirty="0"/>
+              <a:t> </a:t>
+            </a:r>
+            <a:r>
+              <a:rPr lang="en-US" dirty="0" err="1"/>
+              <a:t>razvoj</a:t>
+            </a:r>
+            <a:r>
+              <a:rPr lang="en-US" dirty="0"/>
+              <a:t> </a:t>
+            </a:r>
+            <a:r>
+              <a:rPr lang="en-US" dirty="0" err="1"/>
+              <a:t>aplikacije</a:t>
+            </a:r>
+            <a:r>
+              <a:rPr lang="en-US" dirty="0"/>
+              <a:t> </a:t>
+            </a:r>
+            <a:r>
+              <a:rPr lang="en-US" dirty="0" err="1"/>
+              <a:t>i</a:t>
+            </a:r>
+            <a:r>
+              <a:rPr lang="en-US" dirty="0"/>
+              <a:t> </a:t>
+            </a:r>
+            <a:r>
+              <a:rPr lang="en-US" dirty="0" err="1"/>
+              <a:t>koordinira</a:t>
+            </a:r>
+            <a:r>
+              <a:rPr lang="en-US" dirty="0"/>
+              <a:t> rad </a:t>
+            </a:r>
+            <a:r>
+              <a:rPr lang="en-US" dirty="0" err="1"/>
+              <a:t>developera</a:t>
+            </a:r>
+            <a:r>
+              <a:rPr lang="en-US" dirty="0"/>
+              <a:t>.</a:t>
+            </a:r>
+          </a:p>
+          <a:p>
+            <a:pPr>
+              <a:lnSpc>
+                <a:spcPct val="150000"/>
+              </a:lnSpc>
+            </a:pPr>
+            <a:r>
+              <a:rPr lang="en-US" b="1" dirty="0"/>
+              <a:t>Backend developer</a:t>
+            </a:r>
+            <a:r>
+              <a:rPr lang="en-US" dirty="0"/>
+              <a:t> – server-side </a:t>
+            </a:r>
+            <a:r>
+              <a:rPr lang="en-US" dirty="0" err="1"/>
+              <a:t>logika</a:t>
+            </a:r>
+            <a:r>
+              <a:rPr lang="en-US" dirty="0"/>
+              <a:t>, </a:t>
+            </a:r>
+            <a:r>
+              <a:rPr lang="en-US" dirty="0" err="1"/>
+              <a:t>baza</a:t>
+            </a:r>
+            <a:r>
+              <a:rPr lang="en-US" dirty="0"/>
+              <a:t> </a:t>
+            </a:r>
+            <a:r>
+              <a:rPr lang="en-US" dirty="0" err="1"/>
+              <a:t>podataka</a:t>
+            </a:r>
+            <a:r>
+              <a:rPr lang="en-US" dirty="0"/>
+              <a:t>, </a:t>
+            </a:r>
+            <a:r>
+              <a:rPr lang="en-US" dirty="0" err="1"/>
+              <a:t>integracija</a:t>
+            </a:r>
+            <a:r>
+              <a:rPr lang="en-US" dirty="0"/>
+              <a:t> </a:t>
+            </a:r>
+            <a:r>
+              <a:rPr lang="en-US" dirty="0" err="1"/>
+              <a:t>plaćanja</a:t>
+            </a:r>
+            <a:r>
+              <a:rPr lang="en-US" dirty="0"/>
+              <a:t>.</a:t>
+            </a:r>
+          </a:p>
+          <a:p>
+            <a:pPr>
+              <a:lnSpc>
+                <a:spcPct val="150000"/>
+              </a:lnSpc>
+            </a:pPr>
+            <a:r>
+              <a:rPr lang="en-US" b="1" dirty="0"/>
+              <a:t>Frontend / Mobile developer</a:t>
+            </a:r>
+            <a:r>
+              <a:rPr lang="en-US" dirty="0"/>
+              <a:t> – </a:t>
+            </a:r>
+            <a:r>
+              <a:rPr lang="en-US" dirty="0" err="1"/>
+              <a:t>korisnički</a:t>
+            </a:r>
+            <a:r>
+              <a:rPr lang="en-US" dirty="0"/>
+              <a:t> </a:t>
+            </a:r>
+            <a:r>
+              <a:rPr lang="en-US" dirty="0" err="1"/>
+              <a:t>interfejs</a:t>
+            </a:r>
+            <a:r>
+              <a:rPr lang="en-US" dirty="0"/>
+              <a:t> </a:t>
+            </a:r>
+            <a:r>
+              <a:rPr lang="en-US" dirty="0" err="1"/>
+              <a:t>i</a:t>
+            </a:r>
+            <a:r>
+              <a:rPr lang="en-US" dirty="0"/>
+              <a:t> responsive </a:t>
+            </a:r>
+            <a:r>
+              <a:rPr lang="en-US" dirty="0" err="1"/>
+              <a:t>dizajn</a:t>
+            </a:r>
+            <a:r>
+              <a:rPr lang="en-US" dirty="0"/>
+              <a:t>.</a:t>
+            </a:r>
+          </a:p>
+          <a:p>
+            <a:pPr>
+              <a:lnSpc>
+                <a:spcPct val="150000"/>
+              </a:lnSpc>
+            </a:pPr>
+            <a:r>
+              <a:rPr lang="en-US" b="1" dirty="0"/>
+              <a:t>Marketing manager</a:t>
+            </a:r>
+            <a:r>
+              <a:rPr lang="en-US" dirty="0"/>
+              <a:t> – </a:t>
+            </a:r>
+            <a:r>
+              <a:rPr lang="en-US" dirty="0" err="1"/>
+              <a:t>digitalne</a:t>
+            </a:r>
+            <a:r>
+              <a:rPr lang="en-US" dirty="0"/>
+              <a:t> </a:t>
+            </a:r>
+            <a:r>
+              <a:rPr lang="en-US" dirty="0" err="1"/>
+              <a:t>kampanje</a:t>
+            </a:r>
+            <a:r>
+              <a:rPr lang="en-US" dirty="0"/>
+              <a:t>, </a:t>
+            </a:r>
+            <a:r>
+              <a:rPr lang="en-US" dirty="0" err="1"/>
+              <a:t>odnosi</a:t>
+            </a:r>
+            <a:r>
+              <a:rPr lang="en-US" dirty="0"/>
+              <a:t> s </a:t>
+            </a:r>
+            <a:r>
+              <a:rPr lang="en-US" dirty="0" err="1"/>
+              <a:t>javnošću</a:t>
+            </a:r>
+            <a:r>
+              <a:rPr lang="en-US" dirty="0"/>
+              <a:t>.</a:t>
+            </a:r>
+          </a:p>
+          <a:p>
+            <a:pPr>
+              <a:lnSpc>
+                <a:spcPct val="150000"/>
+              </a:lnSpc>
+            </a:pPr>
+            <a:r>
+              <a:rPr lang="en-US" b="1" dirty="0"/>
+              <a:t>Customer support</a:t>
+            </a:r>
+            <a:r>
+              <a:rPr lang="en-US" dirty="0"/>
+              <a:t> – </a:t>
+            </a:r>
+            <a:r>
+              <a:rPr lang="en-US" dirty="0" err="1"/>
+              <a:t>komunikacija</a:t>
+            </a:r>
+            <a:r>
+              <a:rPr lang="en-US" dirty="0"/>
+              <a:t> </a:t>
+            </a:r>
+            <a:r>
+              <a:rPr lang="en-US" dirty="0" err="1"/>
+              <a:t>i</a:t>
+            </a:r>
+            <a:r>
+              <a:rPr lang="en-US" dirty="0"/>
+              <a:t> </a:t>
+            </a:r>
+            <a:r>
+              <a:rPr lang="en-US" dirty="0" err="1"/>
+              <a:t>pomoć</a:t>
+            </a:r>
+            <a:r>
+              <a:rPr lang="en-US" dirty="0"/>
+              <a:t> </a:t>
+            </a:r>
+            <a:r>
+              <a:rPr lang="en-US" dirty="0" err="1"/>
+              <a:t>korisnicima</a:t>
+            </a:r>
+            <a:r>
+              <a:rPr lang="en-US" dirty="0"/>
+              <a:t>.</a:t>
+            </a:r>
+          </a:p>
+          <a:p>
+            <a:pPr>
+              <a:lnSpc>
+                <a:spcPct val="150000"/>
+              </a:lnSpc>
+            </a:pPr>
+            <a:r>
+              <a:rPr lang="en-US" dirty="0"/>
+              <a:t>👉 </a:t>
+            </a:r>
+            <a:r>
+              <a:rPr lang="en-US" b="1" dirty="0"/>
+              <a:t>Pilot </a:t>
+            </a:r>
+            <a:r>
               <a:rPr lang="en-US" b="1" dirty="0" err="1"/>
-              <a:t>Iskusni</a:t>
+              <a:t>faza</a:t>
             </a:r>
             <a:r>
               <a:rPr lang="en-US" b="1" dirty="0"/>
+              <a:t>:</a:t>
+            </a:r>
+            <a:r>
+              <a:rPr lang="en-US" dirty="0"/>
               <a:t> </a:t>
             </a:r>
             <a:r>
-              <a:rPr lang="en-US" b="1" dirty="0" err="1"/>
-              <a:t>programeri</a:t>
-            </a:r>
-            <a:endParaRPr lang="en-US" b="1" dirty="0"/>
-          </a:p>
-          <a:p>
-            <a:pPr marL="0" lvl="1" indent="0">
-              <a:buFont typeface="Arial" panose="020B0604020202020204" pitchFamily="34" charset="0"/>
-              <a:buNone/>
-            </a:pPr>
-            <a:r>
-              <a:rPr dirty="0"/>
-              <a:t>Tim </a:t>
-            </a:r>
-            <a:r>
-              <a:rPr dirty="0" err="1"/>
-              <a:t>uključuje</a:t>
-            </a:r>
-            <a:r>
-              <a:rPr dirty="0"/>
+              <a:rPr lang="en-US" dirty="0" err="1"/>
+              <a:t>tim</a:t>
+            </a:r>
+            <a:r>
+              <a:rPr lang="en-US" dirty="0"/>
               <a:t> </a:t>
             </a:r>
             <a:r>
-              <a:rPr dirty="0" err="1"/>
-              <a:t>stručne</a:t>
-            </a:r>
-            <a:r>
-              <a:rPr dirty="0"/>
-              <a:t> </a:t>
-            </a:r>
-            <a:r>
-              <a:rPr dirty="0" err="1"/>
-              <a:t>programere</a:t>
-            </a:r>
-            <a:r>
-              <a:rPr dirty="0"/>
-              <a:t> koji </a:t>
-            </a:r>
-            <a:r>
-              <a:rPr dirty="0" err="1"/>
-              <a:t>razvijaju</a:t>
-            </a:r>
-            <a:r>
-              <a:rPr dirty="0"/>
-              <a:t> </a:t>
-            </a:r>
-            <a:r>
-              <a:rPr dirty="0" err="1"/>
-              <a:t>i</a:t>
-            </a:r>
-            <a:r>
-              <a:rPr dirty="0"/>
-              <a:t> </a:t>
-            </a:r>
-            <a:r>
-              <a:rPr dirty="0" err="1"/>
-              <a:t>održavaju</a:t>
-            </a:r>
-            <a:r>
-              <a:rPr dirty="0"/>
-              <a:t> </a:t>
-            </a:r>
-            <a:r>
-              <a:rPr dirty="0" err="1"/>
-              <a:t>tehnološku</a:t>
-            </a:r>
-            <a:r>
-              <a:rPr dirty="0"/>
-              <a:t> </a:t>
-            </a:r>
-            <a:r>
-              <a:rPr dirty="0" err="1"/>
-              <a:t>platformu</a:t>
-            </a:r>
-            <a:r>
-              <a:rPr dirty="0"/>
+              <a:rPr lang="en-US" dirty="0" err="1"/>
+              <a:t>čini</a:t>
+            </a:r>
+            <a:r>
+              <a:rPr lang="en-US" dirty="0"/>
+              <a:t> 5–6 </a:t>
+            </a:r>
+            <a:r>
+              <a:rPr lang="en-US" dirty="0" err="1"/>
+              <a:t>članova</a:t>
+            </a:r>
+            <a:r>
+              <a:rPr lang="en-US" dirty="0"/>
               <a:t>.</a:t>
             </a:r>
-            <a:endParaRPr lang="en-US" dirty="0"/>
-          </a:p>
-          <a:p>
-            <a:pPr marL="0" indent="0">
-              <a:spcBef>
-                <a:spcPts val="2500"/>
-              </a:spcBef>
-              <a:buFont typeface="Arial" panose="020B0604020202020204" pitchFamily="34" charset="0"/>
-              <a:buNone/>
-            </a:pPr>
-            <a:r>
-              <a:rPr lang="en-US" b="1" dirty="0" err="1"/>
-              <a:t>Stručnjaci</a:t>
-            </a:r>
-            <a:r>
-              <a:rPr lang="en-US" b="1" dirty="0"/>
-              <a:t> za marketing</a:t>
-            </a:r>
-          </a:p>
-          <a:p>
-            <a:pPr marL="0" lvl="1" indent="0">
-              <a:buFont typeface="Arial" panose="020B0604020202020204" pitchFamily="34" charset="0"/>
-              <a:buNone/>
-            </a:pPr>
-            <a:r>
-              <a:rPr dirty="0"/>
-              <a:t>Marketing </a:t>
-            </a:r>
-            <a:r>
-              <a:rPr dirty="0" err="1"/>
-              <a:t>stručnjaci</a:t>
-            </a:r>
-            <a:r>
-              <a:rPr dirty="0"/>
-              <a:t> </a:t>
-            </a:r>
-            <a:r>
-              <a:rPr dirty="0" err="1"/>
-              <a:t>promoviraju</a:t>
-            </a:r>
-            <a:r>
-              <a:rPr dirty="0"/>
-              <a:t> </a:t>
-            </a:r>
-            <a:r>
-              <a:rPr dirty="0" err="1"/>
-              <a:t>platformu</a:t>
-            </a:r>
-            <a:r>
-              <a:rPr dirty="0"/>
-              <a:t> </a:t>
-            </a:r>
-            <a:r>
-              <a:rPr dirty="0" err="1"/>
-              <a:t>i</a:t>
-            </a:r>
-            <a:r>
-              <a:rPr dirty="0"/>
-              <a:t> </a:t>
-            </a:r>
-            <a:r>
-              <a:rPr dirty="0" err="1"/>
-              <a:t>povećavaju</a:t>
-            </a:r>
-            <a:r>
-              <a:rPr dirty="0"/>
-              <a:t> </a:t>
-            </a:r>
-            <a:r>
-              <a:rPr dirty="0" err="1"/>
-              <a:t>vidljivost</a:t>
-            </a:r>
-            <a:r>
-              <a:rPr dirty="0"/>
-              <a:t> </a:t>
-            </a:r>
-            <a:r>
-              <a:rPr dirty="0" err="1"/>
-              <a:t>na</a:t>
-            </a:r>
-            <a:r>
-              <a:rPr dirty="0"/>
-              <a:t> </a:t>
-            </a:r>
-            <a:r>
-              <a:rPr dirty="0" err="1"/>
-              <a:t>tržištu</a:t>
-            </a:r>
-            <a:r>
-              <a:rPr dirty="0"/>
-              <a:t>.</a:t>
-            </a:r>
-            <a:endParaRPr lang="en-US" dirty="0"/>
-          </a:p>
-          <a:p>
-            <a:pPr marL="0" indent="0">
-              <a:spcBef>
-                <a:spcPts val="2500"/>
-              </a:spcBef>
-              <a:buFont typeface="Arial" panose="020B0604020202020204" pitchFamily="34" charset="0"/>
-              <a:buNone/>
-            </a:pPr>
-            <a:r>
-              <a:rPr lang="en-US" b="1" dirty="0" err="1"/>
-              <a:t>Korisnička</a:t>
-            </a:r>
-            <a:r>
-              <a:rPr lang="en-US" b="1" dirty="0"/>
-              <a:t> </a:t>
-            </a:r>
-            <a:r>
-              <a:rPr lang="en-US" b="1" dirty="0" err="1"/>
-              <a:t>podrška</a:t>
-            </a:r>
-            <a:endParaRPr lang="en-US" b="1" dirty="0"/>
-          </a:p>
-          <a:p>
-            <a:pPr marL="0" lvl="1" indent="0">
-              <a:buFont typeface="Arial" panose="020B0604020202020204" pitchFamily="34" charset="0"/>
-              <a:buNone/>
-            </a:pPr>
-            <a:r>
-              <a:rPr dirty="0" err="1"/>
-              <a:t>Korisnička</a:t>
-            </a:r>
-            <a:r>
-              <a:rPr dirty="0"/>
-              <a:t> </a:t>
-            </a:r>
-            <a:r>
-              <a:rPr dirty="0" err="1"/>
-              <a:t>služba</a:t>
-            </a:r>
-            <a:r>
-              <a:rPr dirty="0"/>
-              <a:t> </a:t>
-            </a:r>
-            <a:r>
-              <a:rPr dirty="0" err="1"/>
-              <a:t>osigurava</a:t>
-            </a:r>
-            <a:r>
-              <a:rPr dirty="0"/>
-              <a:t> </a:t>
-            </a:r>
-            <a:r>
-              <a:rPr dirty="0" err="1"/>
-              <a:t>pravovremenu</a:t>
-            </a:r>
-            <a:r>
-              <a:rPr dirty="0"/>
-              <a:t> </a:t>
-            </a:r>
-            <a:r>
-              <a:rPr dirty="0" err="1"/>
-              <a:t>i</a:t>
-            </a:r>
-            <a:r>
-              <a:rPr dirty="0"/>
-              <a:t> </a:t>
-            </a:r>
-            <a:r>
-              <a:rPr dirty="0" err="1"/>
-              <a:t>kvalitetnu</a:t>
-            </a:r>
-            <a:r>
-              <a:rPr dirty="0"/>
-              <a:t> </a:t>
-            </a:r>
-            <a:r>
-              <a:rPr dirty="0" err="1"/>
-              <a:t>pomoć</a:t>
-            </a:r>
-            <a:r>
-              <a:rPr dirty="0"/>
-              <a:t> </a:t>
-            </a:r>
-            <a:r>
-              <a:rPr dirty="0" err="1"/>
-              <a:t>korisnicima</a:t>
-            </a:r>
-            <a:r>
-              <a:rPr dirty="0"/>
-              <a:t>.</a:t>
-            </a:r>
-            <a:endParaRPr lang="en-US" dirty="0"/>
-          </a:p>
-          <a:p>
-            <a:pPr marL="0" indent="0">
-              <a:spcBef>
-                <a:spcPts val="2500"/>
-              </a:spcBef>
-              <a:buFont typeface="Arial" panose="020B0604020202020204" pitchFamily="34" charset="0"/>
-              <a:buNone/>
-            </a:pPr>
+            <a:br>
+              <a:rPr lang="en-US" dirty="0"/>
+            </a:br>
+            <a:r>
+              <a:rPr lang="en-US" dirty="0"/>
+              <a:t>👉 </a:t>
+            </a:r>
             <a:r>
               <a:rPr lang="en-US" b="1" dirty="0" err="1"/>
               <a:t>Širenje</a:t>
             </a:r>
             <a:r>
               <a:rPr lang="en-US" b="1" dirty="0"/>
+              <a:t>:</a:t>
+            </a:r>
+            <a:r>
+              <a:rPr lang="en-US" dirty="0"/>
               <a:t> </a:t>
             </a:r>
             <a:r>
-              <a:rPr lang="en-US" b="1" dirty="0" err="1"/>
-              <a:t>tima</a:t>
-            </a:r>
-            <a:endParaRPr lang="en-US" b="1" dirty="0"/>
-          </a:p>
-          <a:p>
-            <a:pPr marL="0" lvl="1" indent="0">
-              <a:buFont typeface="Arial" panose="020B0604020202020204" pitchFamily="34" charset="0"/>
-              <a:buNone/>
-            </a:pPr>
-            <a:r>
-              <a:rPr dirty="0" err="1"/>
-              <a:t>Planirano</a:t>
-            </a:r>
-            <a:r>
-              <a:rPr dirty="0"/>
-              <a:t> je </a:t>
-            </a:r>
-            <a:r>
-              <a:rPr dirty="0" err="1"/>
-              <a:t>kontinuirano</a:t>
-            </a:r>
-            <a:r>
-              <a:rPr dirty="0"/>
+              <a:rPr lang="en-US" dirty="0" err="1"/>
+              <a:t>dodavanje</a:t>
+            </a:r>
+            <a:r>
+              <a:rPr lang="en-US" dirty="0"/>
               <a:t> </a:t>
             </a:r>
             <a:r>
-              <a:rPr dirty="0" err="1"/>
-              <a:t>proširenje</a:t>
-            </a:r>
-            <a:r>
-              <a:rPr dirty="0"/>
+              <a:rPr lang="en-US" dirty="0" err="1"/>
+              <a:t>pravnih</a:t>
+            </a:r>
+            <a:r>
+              <a:rPr lang="en-US" dirty="0"/>
               <a:t> </a:t>
             </a:r>
             <a:r>
-              <a:rPr dirty="0" err="1"/>
-              <a:t>tima</a:t>
-            </a:r>
-            <a:r>
-              <a:rPr dirty="0"/>
-              <a:t> za </a:t>
-            </a:r>
-            <a:r>
-              <a:rPr dirty="0" err="1"/>
-              <a:t>podršku</a:t>
-            </a:r>
-            <a:r>
-              <a:rPr dirty="0"/>
+              <a:rPr lang="en-US" dirty="0" err="1"/>
+              <a:t>i</a:t>
+            </a:r>
+            <a:r>
+              <a:rPr lang="en-US" dirty="0"/>
               <a:t> </a:t>
             </a:r>
             <a:r>
-              <a:rPr dirty="0" err="1"/>
-              <a:t>rastu</a:t>
-            </a:r>
-            <a:r>
-              <a:rPr dirty="0"/>
+              <a:rPr lang="en-US" dirty="0" err="1"/>
+              <a:t>administrativnih</a:t>
+            </a:r>
+            <a:r>
+              <a:rPr lang="en-US" dirty="0"/>
               <a:t> </a:t>
             </a:r>
             <a:r>
-              <a:rPr dirty="0" err="1"/>
-              <a:t>platforme</a:t>
-            </a:r>
-            <a:r>
-              <a:rPr dirty="0"/>
-              <a:t>.</a:t>
+              <a:rPr lang="en-US" dirty="0" err="1"/>
+              <a:t>stručnjaka</a:t>
+            </a:r>
+            <a:r>
+              <a:rPr lang="en-US" dirty="0"/>
+              <a:t> u </a:t>
+            </a:r>
+            <a:r>
+              <a:rPr lang="en-US" dirty="0" err="1"/>
+              <a:t>kasnijim</a:t>
+            </a:r>
+            <a:r>
+              <a:rPr lang="en-US" dirty="0"/>
+              <a:t> </a:t>
+            </a:r>
+            <a:r>
+              <a:rPr lang="en-US" dirty="0" err="1"/>
+              <a:t>fazama</a:t>
             </a:r>
             <a:endParaRPr lang="en-US" dirty="0"/>
           </a:p>
@@ -27774,15 +28353,15 @@
         </p:nvPicPr>
         <p:blipFill>
           <a:blip r:embed="rId3"/>
-          <a:srcRect l="19351" r="40740" b="-1"/>
+          <a:srcRect l="17111" r="38501" b="-2"/>
           <a:stretch>
             <a:fillRect/>
           </a:stretch>
         </p:blipFill>
         <p:spPr>
           <a:xfrm>
-            <a:off x="8091732" y="10"/>
-            <a:ext cx="4100267" cy="6857990"/>
+            <a:off x="7631546" y="1"/>
+            <a:ext cx="4560454" cy="6858000"/>
           </a:xfrm>
           <a:prstGeom prst="rect">
             <a:avLst/>
@@ -27933,8 +28512,8 @@
         </p:nvSpPr>
         <p:spPr>
           <a:xfrm>
-            <a:off x="612647" y="685800"/>
-            <a:ext cx="6858000" cy="1111532"/>
+            <a:off x="612647" y="685804"/>
+            <a:ext cx="6391374" cy="1371996"/>
           </a:xfrm>
         </p:spPr>
         <p:txBody>
@@ -27944,8 +28523,12 @@
           <a:lstStyle/>
           <a:p>
             <a:r>
-              <a:rPr lang="en-US" sz="2600"/>
-              <a:t>Vizija: Vodeća regionalna platforma, smanjenje gužvi i emisije CO2, održiv urbani život</a:t>
+              <a:rPr lang="en-US" dirty="0" err="1"/>
+              <a:t>Vizija</a:t>
+            </a:r>
+            <a:r>
+              <a:rPr lang="en-US" dirty="0"/>
+              <a:t>:</a:t>
             </a:r>
           </a:p>
         </p:txBody>
@@ -27978,8 +28561,8 @@
         </p:nvSpPr>
         <p:spPr>
           <a:xfrm>
-            <a:off x="612647" y="1965960"/>
-            <a:ext cx="6858000" cy="4200198"/>
+            <a:off x="612773" y="2742645"/>
+            <a:ext cx="6391247" cy="3429551"/>
           </a:xfrm>
         </p:spPr>
         <p:txBody>
@@ -27996,88 +28579,306 @@
               <a:buNone/>
             </a:pPr>
             <a:r>
-              <a:rPr lang="en-US" b="1"/>
-              <a:t>Vodeća platforma za dijeljenje parkinga</a:t>
-            </a:r>
+              <a:rPr lang="en-US" b="1" dirty="0" err="1"/>
+              <a:t>Regionalni</a:t>
+            </a:r>
+            <a:r>
+              <a:rPr lang="en-US" b="1" dirty="0"/>
+              <a:t> </a:t>
+            </a:r>
+            <a:r>
+              <a:rPr lang="en-US" b="1" dirty="0" err="1"/>
+              <a:t>lider</a:t>
+            </a:r>
+            <a:endParaRPr lang="en-US" b="1" dirty="0"/>
           </a:p>
           <a:p>
             <a:pPr marL="0" lvl="1" indent="0">
-              <a:buFont typeface="Arial" panose="020B0604020202020204" pitchFamily="34" charset="0"/>
               <a:buNone/>
             </a:pPr>
             <a:r>
-              <a:t>Cilj je razviti inovativnu platformu za dijeljenje privatnih parking mjesta unutar regije, olakšavajući pristup parkiranju.</a:t>
-            </a:r>
-            <a:endParaRPr lang="en-US"/>
-          </a:p>
-          <a:p>
-            <a:pPr marL="0" indent="0">
-              <a:spcBef>
-                <a:spcPts val="2500"/>
-              </a:spcBef>
-              <a:buFont typeface="Arial" panose="020B0604020202020204" pitchFamily="34" charset="0"/>
+              <a:rPr lang="en-US" dirty="0" err="1"/>
+              <a:t>ParkSmart</a:t>
+            </a:r>
+            <a:r>
+              <a:rPr lang="en-US" dirty="0"/>
+              <a:t> </a:t>
+            </a:r>
+            <a:r>
+              <a:rPr lang="en-US" dirty="0" err="1"/>
+              <a:t>kao</a:t>
+            </a:r>
+            <a:r>
+              <a:rPr lang="en-US" dirty="0"/>
+              <a:t> </a:t>
+            </a:r>
+            <a:r>
+              <a:rPr lang="en-US" dirty="0" err="1"/>
+              <a:t>vodeća</a:t>
+            </a:r>
+            <a:r>
+              <a:rPr lang="en-US" dirty="0"/>
+              <a:t> </a:t>
+            </a:r>
+            <a:r>
+              <a:rPr lang="en-US" dirty="0" err="1"/>
+              <a:t>platforma</a:t>
+            </a:r>
+            <a:r>
+              <a:rPr lang="en-US" dirty="0"/>
+              <a:t> za </a:t>
+            </a:r>
+            <a:r>
+              <a:rPr lang="en-US" dirty="0" err="1"/>
+              <a:t>dijeljenje</a:t>
+            </a:r>
+            <a:r>
+              <a:rPr lang="en-US" dirty="0"/>
+              <a:t> </a:t>
+            </a:r>
+            <a:r>
+              <a:rPr lang="en-US" dirty="0" err="1"/>
+              <a:t>privatnih</a:t>
+            </a:r>
+            <a:r>
+              <a:rPr lang="en-US" dirty="0"/>
+              <a:t> parking </a:t>
+            </a:r>
+            <a:r>
+              <a:rPr lang="en-US" dirty="0" err="1"/>
+              <a:t>mjesta</a:t>
+            </a:r>
+            <a:r>
+              <a:rPr lang="en-US" dirty="0"/>
+              <a:t>.</a:t>
+            </a:r>
+          </a:p>
+          <a:p>
+            <a:pPr marL="0" lvl="1" indent="0">
               <a:buNone/>
             </a:pPr>
-            <a:r>
-              <a:rPr lang="en-US" b="1"/>
-              <a:t>Smanjenje prometnih gužvi</a:t>
-            </a:r>
+            <a:endParaRPr lang="en-US" dirty="0"/>
           </a:p>
           <a:p>
             <a:pPr marL="0" lvl="1" indent="0">
-              <a:buFont typeface="Arial" panose="020B0604020202020204" pitchFamily="34" charset="0"/>
               <a:buNone/>
             </a:pPr>
             <a:r>
-              <a:t>Dijeljenjem parkinga doprinosi se smanjenju prometnih gužvi i učinkovitijem prometnom prometu u urbanim područjima.</a:t>
-            </a:r>
-            <a:endParaRPr lang="en-US"/>
-          </a:p>
-          <a:p>
-            <a:pPr marL="0" indent="0">
-              <a:spcBef>
-                <a:spcPts val="2500"/>
-              </a:spcBef>
-              <a:buFont typeface="Arial" panose="020B0604020202020204" pitchFamily="34" charset="0"/>
+              <a:rPr lang="en-US" b="1" dirty="0"/>
+              <a:t>Manje </a:t>
+            </a:r>
+            <a:r>
+              <a:rPr lang="en-US" b="1" dirty="0" err="1"/>
+              <a:t>gužvi</a:t>
+            </a:r>
+            <a:endParaRPr lang="en-US" b="1" dirty="0"/>
+          </a:p>
+          <a:p>
+            <a:pPr marL="0" lvl="1" indent="0">
               <a:buNone/>
             </a:pPr>
             <a:r>
-              <a:rPr lang="en-US" b="1"/>
-              <a:t>Smanjenje emisije CO2</a:t>
+              <a:rPr lang="en-US" dirty="0" err="1"/>
+              <a:t>Smanjenje</a:t>
+            </a:r>
+            <a:r>
+              <a:rPr lang="en-US" dirty="0"/>
+              <a:t> </a:t>
+            </a:r>
+            <a:r>
+              <a:rPr lang="en-US" dirty="0" err="1"/>
+              <a:t>saobraćajnih</a:t>
+            </a:r>
+            <a:r>
+              <a:rPr lang="en-US" dirty="0"/>
+              <a:t> </a:t>
+            </a:r>
+            <a:r>
+              <a:rPr lang="en-US" dirty="0" err="1"/>
+              <a:t>zastoja</a:t>
+            </a:r>
+            <a:r>
+              <a:rPr lang="en-US" dirty="0"/>
+              <a:t> </a:t>
+            </a:r>
+            <a:r>
+              <a:rPr lang="en-US" dirty="0" err="1"/>
+              <a:t>kroz</a:t>
+            </a:r>
+            <a:r>
+              <a:rPr lang="en-US" dirty="0"/>
+              <a:t> </a:t>
+            </a:r>
+            <a:r>
+              <a:rPr lang="en-US" dirty="0" err="1"/>
+              <a:t>efikasnije</a:t>
+            </a:r>
+            <a:r>
+              <a:rPr lang="en-US" dirty="0"/>
+              <a:t> </a:t>
+            </a:r>
+            <a:r>
+              <a:rPr lang="en-US" dirty="0" err="1"/>
+              <a:t>korišćenje</a:t>
+            </a:r>
+            <a:r>
+              <a:rPr lang="en-US" dirty="0"/>
+              <a:t> </a:t>
+            </a:r>
+            <a:r>
+              <a:rPr lang="en-US" dirty="0" err="1"/>
+              <a:t>prostora</a:t>
+            </a:r>
+            <a:r>
+              <a:rPr lang="en-US" dirty="0"/>
+              <a:t>.</a:t>
             </a:r>
           </a:p>
           <a:p>
             <a:pPr marL="0" lvl="1" indent="0">
-              <a:buFont typeface="Arial" panose="020B0604020202020204" pitchFamily="34" charset="0"/>
               <a:buNone/>
             </a:pPr>
-            <a:r>
-              <a:t>Promicanjem dijeljenja parkinga smanjuje se emisija ugljičnog dioksida i zagađenje zraka u gradovima.</a:t>
-            </a:r>
-            <a:endParaRPr lang="en-US"/>
-          </a:p>
-          <a:p>
-            <a:pPr marL="0" indent="0">
-              <a:spcBef>
-                <a:spcPts val="2500"/>
-              </a:spcBef>
-              <a:buFont typeface="Arial" panose="020B0604020202020204" pitchFamily="34" charset="0"/>
+            <a:endParaRPr lang="en-US" dirty="0"/>
+          </a:p>
+          <a:p>
+            <a:pPr marL="0" lvl="1" indent="0">
               <a:buNone/>
             </a:pPr>
             <a:r>
-              <a:rPr lang="en-US" b="1"/>
-              <a:t>Održivi urbani život</a:t>
-            </a:r>
+              <a:rPr lang="en-US" b="1" dirty="0" err="1"/>
+              <a:t>Čistiji</a:t>
+            </a:r>
+            <a:r>
+              <a:rPr lang="en-US" b="1" dirty="0"/>
+              <a:t> </a:t>
+            </a:r>
+            <a:r>
+              <a:rPr lang="en-US" b="1" dirty="0" err="1"/>
+              <a:t>gradovi</a:t>
+            </a:r>
+            <a:endParaRPr lang="en-US" b="1" dirty="0"/>
           </a:p>
           <a:p>
             <a:pPr marL="0" lvl="1" indent="0">
-              <a:buFont typeface="Arial" panose="020B0604020202020204" pitchFamily="34" charset="0"/>
               <a:buNone/>
             </a:pPr>
             <a:r>
-              <a:t>Platforma podržava održiv i pametan urbani život smanjenjem zagađenja i povećanjem učinkovitosti korištenja prostora.</a:t>
-            </a:r>
-            <a:endParaRPr lang="en-US"/>
+              <a:rPr lang="en-US" dirty="0" err="1"/>
+              <a:t>Smanjenje</a:t>
+            </a:r>
+            <a:r>
+              <a:rPr lang="en-US" dirty="0"/>
+              <a:t> </a:t>
+            </a:r>
+            <a:r>
+              <a:rPr lang="en-US" dirty="0" err="1"/>
+              <a:t>emisije</a:t>
+            </a:r>
+            <a:r>
+              <a:rPr lang="en-US" dirty="0"/>
+              <a:t> CO₂ </a:t>
+            </a:r>
+            <a:r>
+              <a:rPr lang="en-US" dirty="0" err="1"/>
+              <a:t>i</a:t>
+            </a:r>
+            <a:r>
+              <a:rPr lang="en-US" dirty="0"/>
+              <a:t> </a:t>
+            </a:r>
+            <a:r>
+              <a:rPr lang="en-US" dirty="0" err="1"/>
+              <a:t>zagađenja</a:t>
+            </a:r>
+            <a:r>
+              <a:rPr lang="en-US" dirty="0"/>
+              <a:t> </a:t>
+            </a:r>
+            <a:r>
+              <a:rPr lang="en-US" dirty="0" err="1"/>
+              <a:t>vazduha</a:t>
+            </a:r>
+            <a:r>
+              <a:rPr lang="en-US" dirty="0"/>
+              <a:t>.</a:t>
+            </a:r>
+          </a:p>
+          <a:p>
+            <a:pPr marL="0" lvl="1" indent="0">
+              <a:buNone/>
+            </a:pPr>
+            <a:endParaRPr lang="en-US" dirty="0"/>
+          </a:p>
+          <a:p>
+            <a:pPr marL="0" lvl="1" indent="0">
+              <a:buNone/>
+            </a:pPr>
+            <a:r>
+              <a:rPr lang="en-US" b="1" dirty="0" err="1"/>
+              <a:t>Održivi</a:t>
+            </a:r>
+            <a:r>
+              <a:rPr lang="en-US" b="1" dirty="0"/>
+              <a:t> </a:t>
+            </a:r>
+            <a:r>
+              <a:rPr lang="en-US" b="1" dirty="0" err="1"/>
+              <a:t>urbani</a:t>
+            </a:r>
+            <a:r>
+              <a:rPr lang="en-US" b="1" dirty="0"/>
+              <a:t> </a:t>
+            </a:r>
+            <a:r>
+              <a:rPr lang="en-US" b="1" dirty="0" err="1"/>
+              <a:t>život</a:t>
+            </a:r>
+            <a:endParaRPr lang="en-US" b="1" dirty="0"/>
+          </a:p>
+          <a:p>
+            <a:pPr marL="0" lvl="1" indent="0">
+              <a:buNone/>
+            </a:pPr>
+            <a:r>
+              <a:rPr lang="en-US" dirty="0" err="1"/>
+              <a:t>Pametniji</a:t>
+            </a:r>
+            <a:r>
+              <a:rPr lang="en-US" dirty="0"/>
+              <a:t> </a:t>
+            </a:r>
+            <a:r>
+              <a:rPr lang="en-US" dirty="0" err="1"/>
+              <a:t>i</a:t>
+            </a:r>
+            <a:r>
+              <a:rPr lang="en-US" dirty="0"/>
+              <a:t> </a:t>
+            </a:r>
+            <a:r>
+              <a:rPr lang="en-US" dirty="0" err="1"/>
+              <a:t>efikasniji</a:t>
+            </a:r>
+            <a:r>
+              <a:rPr lang="en-US" dirty="0"/>
+              <a:t> </a:t>
+            </a:r>
+            <a:r>
+              <a:rPr lang="en-US" dirty="0" err="1"/>
+              <a:t>gradovi</a:t>
+            </a:r>
+            <a:r>
+              <a:rPr lang="en-US" dirty="0"/>
+              <a:t> </a:t>
+            </a:r>
+            <a:r>
+              <a:rPr lang="en-US" dirty="0" err="1"/>
+              <a:t>budućnosti</a:t>
+            </a:r>
+            <a:r>
+              <a:rPr lang="en-US" dirty="0"/>
+              <a:t>.</a:t>
+            </a:r>
           </a:p>
         </p:txBody>
       </p:sp>
@@ -28099,15 +28900,15 @@
         </p:nvPicPr>
         <p:blipFill>
           <a:blip r:embed="rId3"/>
-          <a:srcRect l="32925" r="28063" b="1"/>
+          <a:srcRect l="30736" r="25874" b="1"/>
           <a:stretch>
             <a:fillRect/>
           </a:stretch>
         </p:blipFill>
         <p:spPr>
           <a:xfrm>
-            <a:off x="8091732" y="10"/>
-            <a:ext cx="4100267" cy="6857990"/>
+            <a:off x="7631546" y="1"/>
+            <a:ext cx="4560454" cy="6858000"/>
           </a:xfrm>
           <a:prstGeom prst="rect">
             <a:avLst/>
@@ -28269,9 +29070,10 @@
           <a:lstStyle/>
           <a:p>
             <a:r>
-              <a:rPr lang="en-US"/>
+              <a:rPr lang="en-US" dirty="0" err="1"/>
               <a:t>Zaključak</a:t>
             </a:r>
+            <a:endParaRPr lang="en-US" dirty="0"/>
           </a:p>
         </p:txBody>
       </p:sp>
@@ -28291,7 +29093,7 @@
             <p:ph sz="quarter" idx="13"/>
             <p:extLst>
               <p:ext uri="{D42A27DB-BD31-4B8C-83A1-F6EECF244321}">
-                <p14:modId xmlns:p14="http://schemas.microsoft.com/office/powerpoint/2010/main" val="1820173761"/>
+                <p14:modId xmlns:p14="http://schemas.microsoft.com/office/powerpoint/2010/main" val="2012615973"/>
               </p:ext>
               <p:ext uri="{E7BDC344-281C-4309-B0C6-D0EE65EED2A8}">
                 <p202:designPr xmlns:p202="http://schemas.microsoft.com/office/powerpoint/2020/02/main">

--- a/Pitch presentation.pptx
+++ b/Pitch presentation.pptx
@@ -3561,7 +3561,7 @@
           <a:p>
             <a:fld id="{D7BA4610-F80F-4F40-A07E-783D7321767C}" type="datetimeFigureOut">
               <a:rPr lang="en-US" smtClean="0"/>
-              <a:t>03-Oct-25</a:t>
+              <a:t>06-Oct-25</a:t>
             </a:fld>
             <a:endParaRPr lang="en-US"/>
           </a:p>
@@ -4897,7 +4897,7 @@
             <a:fld id="{77EA5D59-5512-467D-834D-D04827A6AF83}" type="datetime1">
               <a:rPr lang="en-US" smtClean="0"/>
               <a:pPr/>
-              <a:t>03-Oct-25</a:t>
+              <a:t>06-Oct-25</a:t>
             </a:fld>
             <a:endParaRPr lang="en-US"/>
           </a:p>
@@ -5619,7 +5619,7 @@
             <a:fld id="{76FC08D9-20DE-421C-BE4E-310427BB699B}" type="datetime1">
               <a:rPr lang="en-US" smtClean="0"/>
               <a:pPr/>
-              <a:t>03-Oct-25</a:t>
+              <a:t>06-Oct-25</a:t>
             </a:fld>
             <a:endParaRPr lang="en-US" dirty="0"/>
           </a:p>
@@ -6163,7 +6163,7 @@
           <a:p>
             <a:fld id="{4F1AC263-88EE-42CC-B640-B12BA856CF71}" type="datetime1">
               <a:rPr lang="en-US" smtClean="0"/>
-              <a:t>03-Oct-25</a:t>
+              <a:t>06-Oct-25</a:t>
             </a:fld>
             <a:endParaRPr lang="en-US"/>
           </a:p>
@@ -6521,7 +6521,7 @@
           <a:p>
             <a:fld id="{68A32F6A-E7E2-4607-B207-B787B539B854}" type="datetime1">
               <a:rPr lang="en-US" smtClean="0"/>
-              <a:t>03-Oct-25</a:t>
+              <a:t>06-Oct-25</a:t>
             </a:fld>
             <a:endParaRPr lang="en-US"/>
           </a:p>
@@ -6768,7 +6768,7 @@
           <a:p>
             <a:fld id="{9467FC12-63BB-4A63-9424-BFBF8E1D71D9}" type="datetime1">
               <a:rPr lang="en-US" smtClean="0"/>
-              <a:t>03-Oct-25</a:t>
+              <a:t>06-Oct-25</a:t>
             </a:fld>
             <a:endParaRPr lang="en-US"/>
           </a:p>
@@ -7253,7 +7253,7 @@
           <a:p>
             <a:fld id="{8BAA7FA5-AD20-4A92-9D35-3CC6CFA49E64}" type="datetime1">
               <a:rPr lang="en-US" smtClean="0"/>
-              <a:t>03-Oct-25</a:t>
+              <a:t>06-Oct-25</a:t>
             </a:fld>
             <a:endParaRPr lang="en-US"/>
           </a:p>
@@ -7984,7 +7984,7 @@
           <a:p>
             <a:fld id="{802AB700-8552-46A0-B700-5DA0068ADBFC}" type="datetime1">
               <a:rPr lang="en-US" smtClean="0"/>
-              <a:t>03-Oct-25</a:t>
+              <a:t>06-Oct-25</a:t>
             </a:fld>
             <a:endParaRPr lang="en-US"/>
           </a:p>
@@ -8471,7 +8471,7 @@
           <a:p>
             <a:fld id="{A892AD61-D199-4B74-B80B-2001400510FA}" type="datetime1">
               <a:rPr lang="en-US" smtClean="0"/>
-              <a:t>03-Oct-25</a:t>
+              <a:t>06-Oct-25</a:t>
             </a:fld>
             <a:endParaRPr lang="en-US"/>
           </a:p>
@@ -8960,7 +8960,7 @@
           <a:p>
             <a:fld id="{D00D9374-B0AF-43C5-90A8-C409C7D54B55}" type="datetime1">
               <a:rPr lang="en-US" smtClean="0"/>
-              <a:t>03-Oct-25</a:t>
+              <a:t>06-Oct-25</a:t>
             </a:fld>
             <a:endParaRPr lang="en-US"/>
           </a:p>
@@ -9396,7 +9396,7 @@
             <a:fld id="{9CBB6888-43ED-4D3A-B8DA-89EF29644561}" type="datetime1">
               <a:rPr lang="en-US" smtClean="0"/>
               <a:pPr/>
-              <a:t>03-Oct-25</a:t>
+              <a:t>06-Oct-25</a:t>
             </a:fld>
             <a:endParaRPr lang="en-US" dirty="0"/>
           </a:p>
@@ -9699,7 +9699,7 @@
           <a:p>
             <a:fld id="{27C7479B-2077-4468-85E0-F9294B46DEAE}" type="datetime1">
               <a:rPr lang="en-US" smtClean="0"/>
-              <a:t>03-Oct-25</a:t>
+              <a:t>06-Oct-25</a:t>
             </a:fld>
             <a:endParaRPr lang="en-US" dirty="0"/>
           </a:p>
@@ -10050,7 +10050,7 @@
           <a:p>
             <a:fld id="{B42362D5-E350-46C5-8BB1-F9E806A91933}" type="datetime1">
               <a:rPr lang="en-US" smtClean="0"/>
-              <a:t>03-Oct-25</a:t>
+              <a:t>06-Oct-25</a:t>
             </a:fld>
             <a:endParaRPr lang="en-US"/>
           </a:p>
@@ -10344,7 +10344,7 @@
           <a:p>
             <a:fld id="{28E9021D-675F-4984-8FE0-04DA4F4E22F1}" type="datetime1">
               <a:rPr lang="en-US" smtClean="0"/>
-              <a:t>03-Oct-25</a:t>
+              <a:t>06-Oct-25</a:t>
             </a:fld>
             <a:endParaRPr lang="en-US" dirty="0"/>
           </a:p>
@@ -10597,7 +10597,7 @@
           <a:p>
             <a:fld id="{A7F72289-EB8A-47CA-A283-A769C9E761BF}" type="datetime1">
               <a:rPr lang="en-US" smtClean="0"/>
-              <a:t>03-Oct-25</a:t>
+              <a:t>06-Oct-25</a:t>
             </a:fld>
             <a:endParaRPr lang="en-US" dirty="0"/>
           </a:p>
@@ -10946,7 +10946,7 @@
           <a:p>
             <a:fld id="{74049900-C118-46F7-B9EF-5F7C1F0005B2}" type="datetime1">
               <a:rPr lang="en-US" smtClean="0"/>
-              <a:t>03-Oct-25</a:t>
+              <a:t>06-Oct-25</a:t>
             </a:fld>
             <a:endParaRPr lang="en-US"/>
           </a:p>
@@ -11211,7 +11211,7 @@
           <a:p>
             <a:fld id="{74049900-C118-46F7-B9EF-5F7C1F0005B2}" type="datetime1">
               <a:rPr lang="en-US" smtClean="0"/>
-              <a:t>03-Oct-25</a:t>
+              <a:t>06-Oct-25</a:t>
             </a:fld>
             <a:endParaRPr lang="en-US"/>
           </a:p>
@@ -11552,7 +11552,7 @@
           <a:p>
             <a:fld id="{0B4A3A31-ACEE-4A00-9ED7-D579651BDB0B}" type="datetime1">
               <a:rPr lang="en-US" smtClean="0"/>
-              <a:t>03-Oct-25</a:t>
+              <a:t>06-Oct-25</a:t>
             </a:fld>
             <a:endParaRPr lang="en-US" dirty="0"/>
           </a:p>
@@ -11809,7 +11809,7 @@
           <a:p>
             <a:fld id="{0B4A3A31-ACEE-4A00-9ED7-D579651BDB0B}" type="datetime1">
               <a:rPr lang="en-US" smtClean="0"/>
-              <a:t>03-Oct-25</a:t>
+              <a:t>06-Oct-25</a:t>
             </a:fld>
             <a:endParaRPr lang="en-US" dirty="0"/>
           </a:p>
@@ -12164,7 +12164,7 @@
           <a:p>
             <a:fld id="{FAD7B7F7-7F90-4F0B-A996-5443656EFF4A}" type="datetime1">
               <a:rPr lang="en-US" smtClean="0"/>
-              <a:t>03-Oct-25</a:t>
+              <a:t>06-Oct-25</a:t>
             </a:fld>
             <a:endParaRPr lang="en-US" dirty="0"/>
           </a:p>
@@ -12432,7 +12432,7 @@
           <a:p>
             <a:fld id="{FAD7B7F7-7F90-4F0B-A996-5443656EFF4A}" type="datetime1">
               <a:rPr lang="en-US" smtClean="0"/>
-              <a:t>03-Oct-25</a:t>
+              <a:t>06-Oct-25</a:t>
             </a:fld>
             <a:endParaRPr lang="en-US" dirty="0"/>
           </a:p>
@@ -12759,7 +12759,7 @@
           <a:p>
             <a:fld id="{2086C921-50A5-4289-8B96-30101E64A548}" type="datetime1">
               <a:rPr lang="en-US" smtClean="0"/>
-              <a:t>03-Oct-25</a:t>
+              <a:t>06-Oct-25</a:t>
             </a:fld>
             <a:endParaRPr lang="en-US"/>
           </a:p>
@@ -13062,7 +13062,7 @@
           <a:p>
             <a:fld id="{1B948B66-4D7B-4FF2-9F42-B85226272225}" type="datetime1">
               <a:rPr lang="en-US" smtClean="0"/>
-              <a:t>03-Oct-25</a:t>
+              <a:t>06-Oct-25</a:t>
             </a:fld>
             <a:endParaRPr lang="en-US"/>
           </a:p>
@@ -13512,7 +13512,7 @@
           <a:p>
             <a:fld id="{6D1D18D0-7308-42C5-B784-8892F327ABD3}" type="datetime1">
               <a:rPr lang="en-US" smtClean="0"/>
-              <a:t>03-Oct-25</a:t>
+              <a:t>06-Oct-25</a:t>
             </a:fld>
             <a:endParaRPr lang="en-US"/>
           </a:p>
@@ -13899,7 +13899,7 @@
           <a:p>
             <a:fld id="{5888334B-5C34-4E7E-A4B0-3A19575F6DD8}" type="datetime1">
               <a:rPr lang="en-US" smtClean="0"/>
-              <a:t>03-Oct-25</a:t>
+              <a:t>06-Oct-25</a:t>
             </a:fld>
             <a:endParaRPr lang="en-US" dirty="0"/>
           </a:p>
@@ -14233,7 +14233,7 @@
           <a:p>
             <a:fld id="{6C46EC71-0129-40A3-85CE-244216EACC39}" type="datetime1">
               <a:rPr lang="en-US" smtClean="0"/>
-              <a:t>03-Oct-25</a:t>
+              <a:t>06-Oct-25</a:t>
             </a:fld>
             <a:endParaRPr lang="en-US" dirty="0"/>
           </a:p>
@@ -14566,7 +14566,7 @@
           <a:p>
             <a:fld id="{5888334B-5C34-4E7E-A4B0-3A19575F6DD8}" type="datetime1">
               <a:rPr lang="en-US" smtClean="0"/>
-              <a:t>03-Oct-25</a:t>
+              <a:t>06-Oct-25</a:t>
             </a:fld>
             <a:endParaRPr lang="en-US"/>
           </a:p>
@@ -14851,7 +14851,7 @@
           <a:p>
             <a:fld id="{3CC8FB4D-92F2-4C28-8BFC-2AE0229C3E9A}" type="datetime1">
               <a:rPr lang="en-US" smtClean="0"/>
-              <a:t>03-Oct-25</a:t>
+              <a:t>06-Oct-25</a:t>
             </a:fld>
             <a:endParaRPr lang="en-US"/>
           </a:p>
@@ -15130,7 +15130,7 @@
           <a:p>
             <a:fld id="{7B708C30-1428-4C16-AD49-DE42CFEA37BF}" type="datetime1">
               <a:rPr lang="en-US" smtClean="0"/>
-              <a:t>03-Oct-25</a:t>
+              <a:t>06-Oct-25</a:t>
             </a:fld>
             <a:endParaRPr lang="en-US"/>
           </a:p>
@@ -15615,7 +15615,7 @@
             <a:fld id="{DCE8854E-90F8-4761-A9B8-18B1C5A3D25C}" type="datetime1">
               <a:rPr lang="en-US" smtClean="0"/>
               <a:pPr/>
-              <a:t>03-Oct-25</a:t>
+              <a:t>06-Oct-25</a:t>
             </a:fld>
             <a:endParaRPr lang="en-US"/>
           </a:p>
@@ -16103,7 +16103,7 @@
           <a:p>
             <a:fld id="{53DF09C0-6535-4055-81CC-988E059C8EEC}" type="datetime1">
               <a:rPr lang="en-US" smtClean="0"/>
-              <a:t>03-Oct-25</a:t>
+              <a:t>06-Oct-25</a:t>
             </a:fld>
             <a:endParaRPr lang="en-US"/>
           </a:p>
@@ -16333,7 +16333,7 @@
           <a:p>
             <a:fld id="{B85187EE-7BBC-405E-B3F5-9C3E88970356}" type="datetime1">
               <a:rPr lang="en-US" smtClean="0"/>
-              <a:t>03-Oct-25</a:t>
+              <a:t>06-Oct-25</a:t>
             </a:fld>
             <a:endParaRPr lang="en-US"/>
           </a:p>
@@ -17113,7 +17113,7 @@
           <a:p>
             <a:fld id="{967A35BA-41D5-4E87-94C2-E365E2A3656B}" type="datetime1">
               <a:rPr lang="en-US" smtClean="0"/>
-              <a:t>03-Oct-25</a:t>
+              <a:t>06-Oct-25</a:t>
             </a:fld>
             <a:endParaRPr lang="en-US"/>
           </a:p>
@@ -17399,7 +17399,7 @@
             <a:fld id="{BFE899EF-3666-4EAB-A626-E7AA02E66CC1}" type="datetime1">
               <a:rPr lang="en-US" smtClean="0"/>
               <a:pPr/>
-              <a:t>03-Oct-25</a:t>
+              <a:t>06-Oct-25</a:t>
             </a:fld>
             <a:endParaRPr lang="en-US" dirty="0"/>
           </a:p>
@@ -18002,7 +18002,7 @@
           <a:p>
             <a:fld id="{DA4345C7-9F39-4767-92C9-EBF29396D0A9}" type="datetime1">
               <a:rPr lang="en-US" smtClean="0"/>
-              <a:t>03-Oct-25</a:t>
+              <a:t>06-Oct-25</a:t>
             </a:fld>
             <a:endParaRPr lang="en-US"/>
           </a:p>
@@ -18201,7 +18201,7 @@
             <a:fld id="{4A6891D2-C712-4357-A4F9-7362E459A272}" type="datetime1">
               <a:rPr lang="en-US" smtClean="0"/>
               <a:pPr/>
-              <a:t>03-Oct-25</a:t>
+              <a:t>06-Oct-25</a:t>
             </a:fld>
             <a:endParaRPr lang="en-US"/>
           </a:p>
@@ -18951,7 +18951,7 @@
             <a:fld id="{234566FD-24FB-4338-A35C-D9AE347B4F66}" type="datetime1">
               <a:rPr lang="en-US" smtClean="0"/>
               <a:pPr/>
-              <a:t>03-Oct-25</a:t>
+              <a:t>06-Oct-25</a:t>
             </a:fld>
             <a:endParaRPr lang="en-US"/>
           </a:p>
@@ -19455,7 +19455,7 @@
             <a:fld id="{D02BF1DD-1BF4-406D-9906-B4846BCC8D55}" type="datetime1">
               <a:rPr lang="en-US" smtClean="0"/>
               <a:pPr/>
-              <a:t>03-Oct-25</a:t>
+              <a:t>06-Oct-25</a:t>
             </a:fld>
             <a:endParaRPr lang="en-US"/>
           </a:p>
@@ -19828,7 +19828,7 @@
           <a:p>
             <a:fld id="{CD0A52C9-A7D6-4EB8-8F3D-1519181DDC1D}" type="datetime1">
               <a:rPr lang="en-US" smtClean="0"/>
-              <a:t>03-Oct-25</a:t>
+              <a:t>06-Oct-25</a:t>
             </a:fld>
             <a:endParaRPr lang="en-US"/>
           </a:p>
@@ -20297,7 +20297,7 @@
           <a:p>
             <a:fld id="{2E9CE581-A048-42A8-B14C-488A3338D2F0}" type="datetime1">
               <a:rPr lang="en-US" smtClean="0"/>
-              <a:t>03-Oct-25</a:t>
+              <a:t>06-Oct-25</a:t>
             </a:fld>
             <a:endParaRPr lang="en-US"/>
           </a:p>
@@ -20454,7 +20454,7 @@
           <a:p>
             <a:fld id="{F37B15FB-E45F-4977-9C40-BB6531CE6EA6}" type="datetime1">
               <a:rPr lang="en-US" smtClean="0"/>
-              <a:t>03-Oct-25</a:t>
+              <a:t>06-Oct-25</a:t>
             </a:fld>
             <a:endParaRPr lang="en-US"/>
           </a:p>
@@ -20576,7 +20576,7 @@
           <a:p>
             <a:fld id="{18922BC5-E711-4A36-A80E-0A418F83672D}" type="datetime1">
               <a:rPr lang="en-US" smtClean="0"/>
-              <a:t>03-Oct-25</a:t>
+              <a:t>06-Oct-25</a:t>
             </a:fld>
             <a:endParaRPr lang="en-US"/>
           </a:p>
@@ -20890,7 +20890,7 @@
           <a:p>
             <a:fld id="{81D94988-488B-40CC-9623-27A54F95F7B4}" type="datetime1">
               <a:rPr lang="en-US" smtClean="0"/>
-              <a:t>03-Oct-25</a:t>
+              <a:t>06-Oct-25</a:t>
             </a:fld>
             <a:endParaRPr lang="en-US"/>
           </a:p>
@@ -21204,7 +21204,7 @@
           <a:p>
             <a:fld id="{FA3C7011-18F0-49E4-85C9-3E22BE44E3EB}" type="datetime1">
               <a:rPr lang="en-US" smtClean="0"/>
-              <a:t>03-Oct-25</a:t>
+              <a:t>06-Oct-25</a:t>
             </a:fld>
             <a:endParaRPr lang="en-US"/>
           </a:p>
@@ -21489,7 +21489,7 @@
             <a:fld id="{1F92EF8E-B9EB-49F8-83E1-F362FA442011}" type="datetime1">
               <a:rPr lang="en-US" smtClean="0"/>
               <a:pPr/>
-              <a:t>03-Oct-25</a:t>
+              <a:t>06-Oct-25</a:t>
             </a:fld>
             <a:endParaRPr lang="en-US" dirty="0"/>
           </a:p>
@@ -21852,7 +21852,7 @@
           <a:p>
             <a:fld id="{8B1E6060-C53E-4F28-8D83-0C4FB26C4A3F}" type="datetime1">
               <a:rPr lang="en-US" smtClean="0"/>
-              <a:t>03-Oct-25</a:t>
+              <a:t>06-Oct-25</a:t>
             </a:fld>
             <a:endParaRPr lang="en-US"/>
           </a:p>
@@ -22354,7 +22354,7 @@
           <a:p>
             <a:fld id="{1D3D1E3E-5DD4-4BAD-A138-1254BF94C224}" type="datetime1">
               <a:rPr lang="en-US" smtClean="0"/>
-              <a:t>03-Oct-25</a:t>
+              <a:t>06-Oct-25</a:t>
             </a:fld>
             <a:endParaRPr lang="en-US"/>
           </a:p>
@@ -22641,7 +22641,7 @@
             <a:fld id="{BC9EEDB3-BC19-4021-830F-B822E1DE9789}" type="datetime1">
               <a:rPr lang="en-US" smtClean="0"/>
               <a:pPr/>
-              <a:t>03-Oct-25</a:t>
+              <a:t>06-Oct-25</a:t>
             </a:fld>
             <a:endParaRPr lang="en-US" dirty="0"/>
           </a:p>
@@ -23170,7 +23170,7 @@
           <a:p>
             <a:fld id="{014DD65C-314F-4399-90A8-B6DFCAF21BE4}" type="datetime1">
               <a:rPr lang="en-US" smtClean="0"/>
-              <a:t>03-Oct-25</a:t>
+              <a:t>06-Oct-25</a:t>
             </a:fld>
             <a:endParaRPr lang="en-US"/>
           </a:p>
@@ -23668,7 +23668,7 @@
             <a:fld id="{D07A3B59-4DAC-4AFE-874D-3A86EC3801A0}" type="datetime1">
               <a:rPr lang="en-US" smtClean="0"/>
               <a:pPr/>
-              <a:t>03-Oct-25</a:t>
+              <a:t>06-Oct-25</a:t>
             </a:fld>
             <a:endParaRPr lang="en-US"/>
           </a:p>
@@ -24165,7 +24165,7 @@
           <a:p>
             <a:fld id="{76FC08D9-20DE-421C-BE4E-310427BB699B}" type="datetime1">
               <a:rPr lang="en-US" smtClean="0"/>
-              <a:t>03-Oct-25</a:t>
+              <a:t>06-Oct-25</a:t>
             </a:fld>
             <a:endParaRPr lang="en-US" dirty="0"/>
           </a:p>
@@ -24457,7 +24457,7 @@
             <a:fld id="{7DF4F7BB-A1DF-4BD2-8D5B-CA9EB40127CE}" type="datetime1">
               <a:rPr lang="en-US" smtClean="0"/>
               <a:pPr/>
-              <a:t>03-Oct-25</a:t>
+              <a:t>06-Oct-25</a:t>
             </a:fld>
             <a:endParaRPr lang="en-US" dirty="0"/>
           </a:p>
@@ -25137,8 +25137,8 @@
               <a:t>projekat</a:t>
             </a:r>
             <a:r>
-              <a:rPr lang="en-US" dirty="0"/>
-              <a:t>: Novi Sad</a:t>
+              <a:rPr lang="en-US"/>
+              <a:t>: Beograd</a:t>
             </a:r>
             <a:br>
               <a:rPr lang="en-US" dirty="0"/>
@@ -25169,8 +25169,8 @@
         </p:nvSpPr>
         <p:spPr>
           <a:xfrm>
-            <a:off x="612644" y="1349829"/>
-            <a:ext cx="10958870" cy="2554545"/>
+            <a:off x="616565" y="2036064"/>
+            <a:ext cx="10958870" cy="1323439"/>
           </a:xfrm>
           <a:prstGeom prst="rect">
             <a:avLst/>
@@ -25186,11 +25186,8 @@
             <a:pPr algn="ctr"/>
             <a:r>
               <a:rPr lang="en-US" sz="4000" b="1" dirty="0"/>
-              <a:t>PARKSMART: PAMETNO RJEŠENJE ZA PRIVATNI PARKING U URBANIM SREDINAMA</a:t>
-            </a:r>
-            <a:endParaRPr lang="en-US" sz="4000" dirty="0"/>
-          </a:p>
-          <a:p>
+              <a:t>PARKSMART</a:t>
+            </a:r>
             <a:endParaRPr lang="en-US" sz="4000" dirty="0"/>
           </a:p>
           <a:p>
@@ -26859,9 +26856,10 @@
               <a:t>na</a:t>
             </a:r>
             <a:r>
-              <a:rPr lang="en-US" b="1" dirty="0"/>
-              <a:t> Novi Sad</a:t>
-            </a:r>
+              <a:rPr lang="en-US" b="1"/>
+              <a:t> Beograd</a:t>
+            </a:r>
+            <a:endParaRPr lang="en-US" b="1" dirty="0"/>
           </a:p>
           <a:p>
             <a:pPr marL="0" lvl="1"/>
